--- a/Presentations/ARC 6 2015 one slide.pptx
+++ b/Presentations/ARC 6 2015 one slide.pptx
@@ -288,7 +288,7 @@
           <a:p>
             <a:fld id="{8A926092-AC59-47A5-9313-0158127D9A40}" type="datetimeFigureOut">
               <a:rPr lang="en-US" smtClean="0"/>
-              <a:t>10/27/2015</a:t>
+              <a:t>10/30/2015</a:t>
             </a:fld>
             <a:endParaRPr lang="en-US"/>
           </a:p>
@@ -458,7 +458,7 @@
           <a:p>
             <a:fld id="{8A926092-AC59-47A5-9313-0158127D9A40}" type="datetimeFigureOut">
               <a:rPr lang="en-US" smtClean="0"/>
-              <a:t>10/27/2015</a:t>
+              <a:t>10/30/2015</a:t>
             </a:fld>
             <a:endParaRPr lang="en-US"/>
           </a:p>
@@ -638,7 +638,7 @@
           <a:p>
             <a:fld id="{8A926092-AC59-47A5-9313-0158127D9A40}" type="datetimeFigureOut">
               <a:rPr lang="en-US" smtClean="0"/>
-              <a:t>10/27/2015</a:t>
+              <a:t>10/30/2015</a:t>
             </a:fld>
             <a:endParaRPr lang="en-US"/>
           </a:p>
@@ -808,7 +808,7 @@
           <a:p>
             <a:fld id="{8A926092-AC59-47A5-9313-0158127D9A40}" type="datetimeFigureOut">
               <a:rPr lang="en-US" smtClean="0"/>
-              <a:t>10/27/2015</a:t>
+              <a:t>10/30/2015</a:t>
             </a:fld>
             <a:endParaRPr lang="en-US"/>
           </a:p>
@@ -1054,7 +1054,7 @@
           <a:p>
             <a:fld id="{8A926092-AC59-47A5-9313-0158127D9A40}" type="datetimeFigureOut">
               <a:rPr lang="en-US" smtClean="0"/>
-              <a:t>10/27/2015</a:t>
+              <a:t>10/30/2015</a:t>
             </a:fld>
             <a:endParaRPr lang="en-US"/>
           </a:p>
@@ -1342,7 +1342,7 @@
           <a:p>
             <a:fld id="{8A926092-AC59-47A5-9313-0158127D9A40}" type="datetimeFigureOut">
               <a:rPr lang="en-US" smtClean="0"/>
-              <a:t>10/27/2015</a:t>
+              <a:t>10/30/2015</a:t>
             </a:fld>
             <a:endParaRPr lang="en-US"/>
           </a:p>
@@ -1764,7 +1764,7 @@
           <a:p>
             <a:fld id="{8A926092-AC59-47A5-9313-0158127D9A40}" type="datetimeFigureOut">
               <a:rPr lang="en-US" smtClean="0"/>
-              <a:t>10/27/2015</a:t>
+              <a:t>10/30/2015</a:t>
             </a:fld>
             <a:endParaRPr lang="en-US"/>
           </a:p>
@@ -1882,7 +1882,7 @@
           <a:p>
             <a:fld id="{8A926092-AC59-47A5-9313-0158127D9A40}" type="datetimeFigureOut">
               <a:rPr lang="en-US" smtClean="0"/>
-              <a:t>10/27/2015</a:t>
+              <a:t>10/30/2015</a:t>
             </a:fld>
             <a:endParaRPr lang="en-US"/>
           </a:p>
@@ -1977,7 +1977,7 @@
           <a:p>
             <a:fld id="{8A926092-AC59-47A5-9313-0158127D9A40}" type="datetimeFigureOut">
               <a:rPr lang="en-US" smtClean="0"/>
-              <a:t>10/27/2015</a:t>
+              <a:t>10/30/2015</a:t>
             </a:fld>
             <a:endParaRPr lang="en-US"/>
           </a:p>
@@ -2254,7 +2254,7 @@
           <a:p>
             <a:fld id="{8A926092-AC59-47A5-9313-0158127D9A40}" type="datetimeFigureOut">
               <a:rPr lang="en-US" smtClean="0"/>
-              <a:t>10/27/2015</a:t>
+              <a:t>10/30/2015</a:t>
             </a:fld>
             <a:endParaRPr lang="en-US"/>
           </a:p>
@@ -2507,7 +2507,7 @@
           <a:p>
             <a:fld id="{8A926092-AC59-47A5-9313-0158127D9A40}" type="datetimeFigureOut">
               <a:rPr lang="en-US" smtClean="0"/>
-              <a:t>10/27/2015</a:t>
+              <a:t>10/30/2015</a:t>
             </a:fld>
             <a:endParaRPr lang="en-US"/>
           </a:p>
@@ -2720,7 +2720,7 @@
           <a:p>
             <a:fld id="{8A926092-AC59-47A5-9313-0158127D9A40}" type="datetimeFigureOut">
               <a:rPr lang="en-US" smtClean="0"/>
-              <a:t>10/27/2015</a:t>
+              <a:t>10/30/2015</a:t>
             </a:fld>
             <a:endParaRPr lang="en-US"/>
           </a:p>
@@ -3127,40 +3127,53 @@
         <p:spPr/>
         <p:txBody>
           <a:bodyPr>
-            <a:normAutofit fontScale="92500" lnSpcReduction="10000"/>
+            <a:normAutofit/>
           </a:bodyPr>
           <a:lstStyle/>
           <a:p>
-            <a:pPr marL="0" indent="0" algn="just">
-              <a:buNone/>
-            </a:pPr>
-            <a:r>
-              <a:rPr lang="en-US" sz="2000" dirty="0" smtClean="0">
+            <a:pPr algn="just"/>
+            <a:r>
+              <a:rPr lang="en-US" sz="1600" dirty="0" smtClean="0">
                 <a:latin typeface="Times New Roman" panose="02020603050405020304" pitchFamily="18" charset="0"/>
                 <a:cs typeface="Times New Roman" panose="02020603050405020304" pitchFamily="18" charset="0"/>
               </a:rPr>
-              <a:t>The data integration is a well-known and widely studied problem in the database domain. The emergence of cloud computing opens new challenges to data integration. The possibility of an unlimited access to resources changes the problems associated to data processing. In cloud computing, a common way of defining requirements and obligations between the provider and customer is through service level agreement (SLA). However, approaches </a:t>
-            </a:r>
-            <a:r>
-              <a:rPr lang="en-US" sz="2000" dirty="0" smtClean="0">
+              <a:t>The data integration is a well-known and widely studied problem in the database domain. The emergence of cloud computing opens new challenges to data integration. The possibility of an unlimited access to resources changes the problems associated to data </a:t>
+            </a:r>
+            <a:r>
+              <a:rPr lang="en-US" sz="1600" dirty="0" smtClean="0">
                 <a:latin typeface="Times New Roman" panose="02020603050405020304" pitchFamily="18" charset="0"/>
                 <a:cs typeface="Times New Roman" panose="02020603050405020304" pitchFamily="18" charset="0"/>
               </a:rPr>
-              <a:t>combining SLA and data integration have not been enough explored in the literature. </a:t>
-            </a:r>
-            <a:r>
-              <a:rPr lang="en-US" sz="2000" dirty="0" smtClean="0">
+              <a:t>processing</a:t>
+            </a:r>
+          </a:p>
+          <a:p>
+            <a:pPr algn="just"/>
+            <a:r>
+              <a:rPr lang="en-US" sz="1600" dirty="0" smtClean="0">
                 <a:latin typeface="Times New Roman" panose="02020603050405020304" pitchFamily="18" charset="0"/>
                 <a:cs typeface="Times New Roman" panose="02020603050405020304" pitchFamily="18" charset="0"/>
               </a:rPr>
-              <a:t>Considering the aforementioned, the objective is to propose a data integration solution in a multi-cloud environment guided by user preferences and SLA exported by different clouds.</a:t>
+              <a:t>We are interested in a data integration solution on a multi-cloud context considering user requirements and service quality aspects expressed in service level agreement contracts</a:t>
             </a:r>
           </a:p>
           <a:p>
             <a:pPr marL="0" indent="0" algn="just">
               <a:buNone/>
             </a:pPr>
-            <a:endParaRPr lang="fr-FR" sz="2000" dirty="0">
+            <a:r>
+              <a:rPr lang="fr-FR" sz="1600" dirty="0" smtClean="0">
+                <a:latin typeface="Times New Roman" panose="02020603050405020304" pitchFamily="18" charset="0"/>
+                <a:cs typeface="Times New Roman" panose="02020603050405020304" pitchFamily="18" charset="0"/>
+              </a:rPr>
+              <a:t>      </a:t>
+            </a:r>
+          </a:p>
+          <a:p>
+            <a:pPr marL="0" indent="0" algn="just">
+              <a:buNone/>
+            </a:pPr>
+            <a:endParaRPr lang="fr-FR" sz="1600" dirty="0">
               <a:latin typeface="Times New Roman" panose="02020603050405020304" pitchFamily="18" charset="0"/>
               <a:cs typeface="Times New Roman" panose="02020603050405020304" pitchFamily="18" charset="0"/>
             </a:endParaRPr>
@@ -3169,125 +3182,121 @@
             <a:pPr marL="0" indent="0" algn="just">
               <a:buNone/>
             </a:pPr>
-            <a:r>
-              <a:rPr lang="en-US" sz="2000" b="1" i="1" dirty="0" smtClean="0">
-                <a:solidFill>
-                  <a:schemeClr val="tx2">
-                    <a:lumMod val="75000"/>
-                  </a:schemeClr>
-                </a:solidFill>
+            <a:endParaRPr lang="fr-FR" sz="1600" dirty="0">
+              <a:latin typeface="Times New Roman" panose="02020603050405020304" pitchFamily="18" charset="0"/>
+              <a:cs typeface="Times New Roman" panose="02020603050405020304" pitchFamily="18" charset="0"/>
+            </a:endParaRPr>
+          </a:p>
+          <a:p>
+            <a:pPr marL="0" indent="0" algn="just">
+              <a:buNone/>
+            </a:pPr>
+            <a:endParaRPr lang="fr-FR" sz="1600" dirty="0">
+              <a:latin typeface="Times New Roman" panose="02020603050405020304" pitchFamily="18" charset="0"/>
+              <a:cs typeface="Times New Roman" panose="02020603050405020304" pitchFamily="18" charset="0"/>
+            </a:endParaRPr>
+          </a:p>
+          <a:p>
+            <a:pPr marL="0" indent="0" algn="just">
+              <a:buNone/>
+            </a:pPr>
+            <a:r>
+              <a:rPr lang="en-US" sz="1600" dirty="0" smtClean="0">
                 <a:latin typeface="Times New Roman" panose="02020603050405020304" pitchFamily="18" charset="0"/>
                 <a:cs typeface="Times New Roman" panose="02020603050405020304" pitchFamily="18" charset="0"/>
               </a:rPr>
-              <a:t>Daniel Aguiar da Silva Carvalho</a:t>
-            </a:r>
-            <a:r>
-              <a:rPr lang="en-US" sz="2000" dirty="0" smtClean="0">
+              <a:t> </a:t>
+            </a:r>
+            <a:r>
+              <a:rPr lang="en-US" sz="1600" i="1" dirty="0" smtClean="0">
                 <a:latin typeface="Times New Roman" panose="02020603050405020304" pitchFamily="18" charset="0"/>
                 <a:cs typeface="Times New Roman" panose="02020603050405020304" pitchFamily="18" charset="0"/>
               </a:rPr>
-              <a:t>, </a:t>
-            </a:r>
-            <a:r>
-              <a:rPr lang="en-US" sz="1700" dirty="0" smtClean="0">
+              <a:t>Challenges:</a:t>
+            </a:r>
+          </a:p>
+          <a:p>
+            <a:pPr lvl="1" algn="just"/>
+            <a:r>
+              <a:rPr lang="en-US" sz="1200" i="1" dirty="0" smtClean="0">
                 <a:latin typeface="Times New Roman" panose="02020603050405020304" pitchFamily="18" charset="0"/>
                 <a:cs typeface="Times New Roman" panose="02020603050405020304" pitchFamily="18" charset="0"/>
               </a:rPr>
-              <a:t>Magellan, IAE, Univ. J-Moulin Lyon 3  - France</a:t>
-            </a:r>
-          </a:p>
-          <a:p>
-            <a:pPr marL="0" indent="0" algn="just">
-              <a:buNone/>
-            </a:pPr>
-            <a:r>
-              <a:rPr lang="en-US" sz="2000" dirty="0" smtClean="0">
-                <a:solidFill>
-                  <a:schemeClr val="tx2">
-                    <a:lumMod val="75000"/>
-                  </a:schemeClr>
-                </a:solidFill>
+              <a:t>Which services should I select ? Are the requirements being respected?	</a:t>
+            </a:r>
+            <a:endParaRPr lang="en-US" sz="1200" i="1" dirty="0" smtClean="0">
+              <a:latin typeface="Times New Roman" panose="02020603050405020304" pitchFamily="18" charset="0"/>
+              <a:cs typeface="Times New Roman" panose="02020603050405020304" pitchFamily="18" charset="0"/>
+            </a:endParaRPr>
+          </a:p>
+          <a:p>
+            <a:pPr lvl="1" algn="just"/>
+            <a:r>
+              <a:rPr lang="en-US" sz="1200" i="1" dirty="0" smtClean="0">
                 <a:latin typeface="Times New Roman" panose="02020603050405020304" pitchFamily="18" charset="0"/>
                 <a:cs typeface="Times New Roman" panose="02020603050405020304" pitchFamily="18" charset="0"/>
               </a:rPr>
-              <a:t>Chirine Ghedira Guegan</a:t>
-            </a:r>
-            <a:r>
-              <a:rPr lang="en-US" sz="2000" dirty="0" smtClean="0">
+              <a:t>How to be sure that all SLAs  are being respected?</a:t>
+            </a:r>
+          </a:p>
+          <a:p>
+            <a:pPr lvl="1" algn="just"/>
+            <a:r>
+              <a:rPr lang="en-US" sz="1200" i="1" dirty="0" smtClean="0">
                 <a:latin typeface="Times New Roman" panose="02020603050405020304" pitchFamily="18" charset="0"/>
                 <a:cs typeface="Times New Roman" panose="02020603050405020304" pitchFamily="18" charset="0"/>
               </a:rPr>
-              <a:t>,</a:t>
-            </a:r>
-            <a:r>
-              <a:rPr lang="en-US" sz="1700" dirty="0" smtClean="0">
+              <a:t>How to integrate different SLAs associated to services involved with user’s preferences?</a:t>
+            </a:r>
+          </a:p>
+          <a:p>
+            <a:pPr lvl="1" algn="just"/>
+            <a:r>
+              <a:rPr lang="en-US" sz="1200" i="1" dirty="0" smtClean="0">
                 <a:latin typeface="Times New Roman" panose="02020603050405020304" pitchFamily="18" charset="0"/>
                 <a:cs typeface="Times New Roman" panose="02020603050405020304" pitchFamily="18" charset="0"/>
               </a:rPr>
-              <a:t> Magellan, IAE, Univ. J-Moulin Lyon 3  - France</a:t>
-            </a:r>
-          </a:p>
-          <a:p>
-            <a:pPr marL="0" indent="0" algn="just">
-              <a:buNone/>
-            </a:pPr>
-            <a:r>
-              <a:rPr lang="en-US" sz="2000" dirty="0" smtClean="0">
-                <a:solidFill>
-                  <a:schemeClr val="tx2">
-                    <a:lumMod val="75000"/>
-                  </a:schemeClr>
-                </a:solidFill>
+              <a:t>How results can be  reused  for a next query</a:t>
+            </a:r>
+            <a:r>
+              <a:rPr lang="en-US" sz="1200" i="1" dirty="0" smtClean="0">
                 <a:latin typeface="Times New Roman" panose="02020603050405020304" pitchFamily="18" charset="0"/>
                 <a:cs typeface="Times New Roman" panose="02020603050405020304" pitchFamily="18" charset="0"/>
               </a:rPr>
-              <a:t>Nadia Benani</a:t>
-            </a:r>
-            <a:r>
-              <a:rPr lang="en-US" sz="2000" dirty="0" smtClean="0">
+              <a:t>?</a:t>
+            </a:r>
+            <a:endParaRPr lang="en-US" sz="1200" dirty="0" smtClean="0">
+              <a:latin typeface="Times New Roman" panose="02020603050405020304" pitchFamily="18" charset="0"/>
+              <a:cs typeface="Times New Roman" panose="02020603050405020304" pitchFamily="18" charset="0"/>
+            </a:endParaRPr>
+          </a:p>
+          <a:p>
+            <a:pPr algn="just"/>
+            <a:r>
+              <a:rPr lang="en-US" sz="1600" dirty="0" smtClean="0">
                 <a:latin typeface="Times New Roman" panose="02020603050405020304" pitchFamily="18" charset="0"/>
                 <a:cs typeface="Times New Roman" panose="02020603050405020304" pitchFamily="18" charset="0"/>
               </a:rPr>
-              <a:t>, </a:t>
-            </a:r>
-            <a:r>
-              <a:rPr lang="en-US" sz="1700" dirty="0" smtClean="0">
+              <a:t>The </a:t>
+            </a:r>
+            <a:r>
+              <a:rPr lang="en-US" sz="1600" dirty="0" smtClean="0">
                 <a:latin typeface="Times New Roman" panose="02020603050405020304" pitchFamily="18" charset="0"/>
                 <a:cs typeface="Times New Roman" panose="02020603050405020304" pitchFamily="18" charset="0"/>
               </a:rPr>
-              <a:t>CNRS INSA-Lyon, LIRIS, UMR5205 - France</a:t>
-            </a:r>
-          </a:p>
-          <a:p>
-            <a:pPr marL="0" indent="0" algn="just">
-              <a:buNone/>
-            </a:pPr>
-            <a:r>
-              <a:rPr lang="en-US" sz="2000" dirty="0" smtClean="0">
-                <a:solidFill>
-                  <a:schemeClr val="tx2">
-                    <a:lumMod val="75000"/>
-                  </a:schemeClr>
-                </a:solidFill>
+              <a:t>objective is to propose a data integration solution in a multi-cloud environment guided by user preferences and SLA exported by different clouds</a:t>
+            </a:r>
+            <a:r>
+              <a:rPr lang="en-US" sz="1600" dirty="0" smtClean="0">
                 <a:latin typeface="Times New Roman" panose="02020603050405020304" pitchFamily="18" charset="0"/>
                 <a:cs typeface="Times New Roman" panose="02020603050405020304" pitchFamily="18" charset="0"/>
               </a:rPr>
-              <a:t>Genoveva Vargas-Solar</a:t>
-            </a:r>
-            <a:r>
-              <a:rPr lang="en-US" sz="2000" dirty="0" smtClean="0">
-                <a:latin typeface="Times New Roman" panose="02020603050405020304" pitchFamily="18" charset="0"/>
-                <a:cs typeface="Times New Roman" panose="02020603050405020304" pitchFamily="18" charset="0"/>
-              </a:rPr>
-              <a:t>, </a:t>
-            </a:r>
-            <a:r>
-              <a:rPr lang="en-US" sz="1700" dirty="0" smtClean="0">
-                <a:latin typeface="Times New Roman" panose="02020603050405020304" pitchFamily="18" charset="0"/>
-                <a:cs typeface="Times New Roman" panose="02020603050405020304" pitchFamily="18" charset="0"/>
-              </a:rPr>
-              <a:t>CNRS, LIG-LAFMIA, Saint Martin d'Hères - France</a:t>
-            </a:r>
+              <a:t>.</a:t>
+            </a:r>
+            <a:endParaRPr lang="en-US" sz="1600" dirty="0" smtClean="0">
+              <a:latin typeface="Times New Roman" panose="02020603050405020304" pitchFamily="18" charset="0"/>
+              <a:cs typeface="Times New Roman" panose="02020603050405020304" pitchFamily="18" charset="0"/>
+            </a:endParaRPr>
           </a:p>
         </p:txBody>
       </p:sp>
@@ -3342,6 +3351,992 @@
           </a:p>
         </p:txBody>
       </p:sp>
+      <p:sp>
+        <p:nvSpPr>
+          <p:cNvPr id="6" name="Espace réservé du contenu 3"/>
+          <p:cNvSpPr txBox="1">
+            <a:spLocks/>
+          </p:cNvSpPr>
+          <p:nvPr/>
+        </p:nvSpPr>
+        <p:spPr>
+          <a:xfrm>
+            <a:off x="481061" y="5877272"/>
+            <a:ext cx="8229600" cy="1584175"/>
+          </a:xfrm>
+          <a:prstGeom prst="rect">
+            <a:avLst/>
+          </a:prstGeom>
+        </p:spPr>
+        <p:txBody>
+          <a:bodyPr vert="horz" lIns="91440" tIns="45720" rIns="91440" bIns="45720" rtlCol="0">
+            <a:normAutofit/>
+          </a:bodyPr>
+          <a:lstStyle>
+            <a:lvl1pPr marL="342900" indent="-342900" algn="l" defTabSz="914400" rtl="0" eaLnBrk="1" latinLnBrk="0" hangingPunct="1">
+              <a:spcBef>
+                <a:spcPct val="20000"/>
+              </a:spcBef>
+              <a:buFont typeface="Arial" panose="020B0604020202020204" pitchFamily="34" charset="0"/>
+              <a:buChar char="•"/>
+              <a:defRPr sz="3200" kern="1200">
+                <a:solidFill>
+                  <a:schemeClr val="tx1"/>
+                </a:solidFill>
+                <a:latin typeface="+mn-lt"/>
+                <a:ea typeface="+mn-ea"/>
+                <a:cs typeface="+mn-cs"/>
+              </a:defRPr>
+            </a:lvl1pPr>
+            <a:lvl2pPr marL="742950" indent="-285750" algn="l" defTabSz="914400" rtl="0" eaLnBrk="1" latinLnBrk="0" hangingPunct="1">
+              <a:spcBef>
+                <a:spcPct val="20000"/>
+              </a:spcBef>
+              <a:buFont typeface="Arial" panose="020B0604020202020204" pitchFamily="34" charset="0"/>
+              <a:buChar char="–"/>
+              <a:defRPr sz="2800" kern="1200">
+                <a:solidFill>
+                  <a:schemeClr val="tx1"/>
+                </a:solidFill>
+                <a:latin typeface="+mn-lt"/>
+                <a:ea typeface="+mn-ea"/>
+                <a:cs typeface="+mn-cs"/>
+              </a:defRPr>
+            </a:lvl2pPr>
+            <a:lvl3pPr marL="1143000" indent="-228600" algn="l" defTabSz="914400" rtl="0" eaLnBrk="1" latinLnBrk="0" hangingPunct="1">
+              <a:spcBef>
+                <a:spcPct val="20000"/>
+              </a:spcBef>
+              <a:buFont typeface="Arial" panose="020B0604020202020204" pitchFamily="34" charset="0"/>
+              <a:buChar char="•"/>
+              <a:defRPr sz="2400" kern="1200">
+                <a:solidFill>
+                  <a:schemeClr val="tx1"/>
+                </a:solidFill>
+                <a:latin typeface="+mn-lt"/>
+                <a:ea typeface="+mn-ea"/>
+                <a:cs typeface="+mn-cs"/>
+              </a:defRPr>
+            </a:lvl3pPr>
+            <a:lvl4pPr marL="1600200" indent="-228600" algn="l" defTabSz="914400" rtl="0" eaLnBrk="1" latinLnBrk="0" hangingPunct="1">
+              <a:spcBef>
+                <a:spcPct val="20000"/>
+              </a:spcBef>
+              <a:buFont typeface="Arial" panose="020B0604020202020204" pitchFamily="34" charset="0"/>
+              <a:buChar char="–"/>
+              <a:defRPr sz="2000" kern="1200">
+                <a:solidFill>
+                  <a:schemeClr val="tx1"/>
+                </a:solidFill>
+                <a:latin typeface="+mn-lt"/>
+                <a:ea typeface="+mn-ea"/>
+                <a:cs typeface="+mn-cs"/>
+              </a:defRPr>
+            </a:lvl4pPr>
+            <a:lvl5pPr marL="2057400" indent="-228600" algn="l" defTabSz="914400" rtl="0" eaLnBrk="1" latinLnBrk="0" hangingPunct="1">
+              <a:spcBef>
+                <a:spcPct val="20000"/>
+              </a:spcBef>
+              <a:buFont typeface="Arial" panose="020B0604020202020204" pitchFamily="34" charset="0"/>
+              <a:buChar char="»"/>
+              <a:defRPr sz="2000" kern="1200">
+                <a:solidFill>
+                  <a:schemeClr val="tx1"/>
+                </a:solidFill>
+                <a:latin typeface="+mn-lt"/>
+                <a:ea typeface="+mn-ea"/>
+                <a:cs typeface="+mn-cs"/>
+              </a:defRPr>
+            </a:lvl5pPr>
+            <a:lvl6pPr marL="2514600" indent="-228600" algn="l" defTabSz="914400" rtl="0" eaLnBrk="1" latinLnBrk="0" hangingPunct="1">
+              <a:spcBef>
+                <a:spcPct val="20000"/>
+              </a:spcBef>
+              <a:buFont typeface="Arial" panose="020B0604020202020204" pitchFamily="34" charset="0"/>
+              <a:buChar char="•"/>
+              <a:defRPr sz="2000" kern="1200">
+                <a:solidFill>
+                  <a:schemeClr val="tx1"/>
+                </a:solidFill>
+                <a:latin typeface="+mn-lt"/>
+                <a:ea typeface="+mn-ea"/>
+                <a:cs typeface="+mn-cs"/>
+              </a:defRPr>
+            </a:lvl6pPr>
+            <a:lvl7pPr marL="2971800" indent="-228600" algn="l" defTabSz="914400" rtl="0" eaLnBrk="1" latinLnBrk="0" hangingPunct="1">
+              <a:spcBef>
+                <a:spcPct val="20000"/>
+              </a:spcBef>
+              <a:buFont typeface="Arial" panose="020B0604020202020204" pitchFamily="34" charset="0"/>
+              <a:buChar char="•"/>
+              <a:defRPr sz="2000" kern="1200">
+                <a:solidFill>
+                  <a:schemeClr val="tx1"/>
+                </a:solidFill>
+                <a:latin typeface="+mn-lt"/>
+                <a:ea typeface="+mn-ea"/>
+                <a:cs typeface="+mn-cs"/>
+              </a:defRPr>
+            </a:lvl7pPr>
+            <a:lvl8pPr marL="3429000" indent="-228600" algn="l" defTabSz="914400" rtl="0" eaLnBrk="1" latinLnBrk="0" hangingPunct="1">
+              <a:spcBef>
+                <a:spcPct val="20000"/>
+              </a:spcBef>
+              <a:buFont typeface="Arial" panose="020B0604020202020204" pitchFamily="34" charset="0"/>
+              <a:buChar char="•"/>
+              <a:defRPr sz="2000" kern="1200">
+                <a:solidFill>
+                  <a:schemeClr val="tx1"/>
+                </a:solidFill>
+                <a:latin typeface="+mn-lt"/>
+                <a:ea typeface="+mn-ea"/>
+                <a:cs typeface="+mn-cs"/>
+              </a:defRPr>
+            </a:lvl8pPr>
+            <a:lvl9pPr marL="3886200" indent="-228600" algn="l" defTabSz="914400" rtl="0" eaLnBrk="1" latinLnBrk="0" hangingPunct="1">
+              <a:spcBef>
+                <a:spcPct val="20000"/>
+              </a:spcBef>
+              <a:buFont typeface="Arial" panose="020B0604020202020204" pitchFamily="34" charset="0"/>
+              <a:buChar char="•"/>
+              <a:defRPr sz="2000" kern="1200">
+                <a:solidFill>
+                  <a:schemeClr val="tx1"/>
+                </a:solidFill>
+                <a:latin typeface="+mn-lt"/>
+                <a:ea typeface="+mn-ea"/>
+                <a:cs typeface="+mn-cs"/>
+              </a:defRPr>
+            </a:lvl9pPr>
+          </a:lstStyle>
+          <a:p>
+            <a:pPr marL="0" indent="0" algn="just">
+              <a:buFont typeface="Arial" panose="020B0604020202020204" pitchFamily="34" charset="0"/>
+              <a:buNone/>
+            </a:pPr>
+            <a:r>
+              <a:rPr lang="en-US" sz="1200" b="1" i="1" dirty="0" smtClean="0">
+                <a:solidFill>
+                  <a:schemeClr val="tx2">
+                    <a:lumMod val="75000"/>
+                  </a:schemeClr>
+                </a:solidFill>
+                <a:latin typeface="Times New Roman" panose="02020603050405020304" pitchFamily="18" charset="0"/>
+                <a:cs typeface="Times New Roman" panose="02020603050405020304" pitchFamily="18" charset="0"/>
+              </a:rPr>
+              <a:t>Daniel Aguiar da Silva Carvalho</a:t>
+            </a:r>
+            <a:r>
+              <a:rPr lang="en-US" sz="1200" dirty="0" smtClean="0">
+                <a:latin typeface="Times New Roman" panose="02020603050405020304" pitchFamily="18" charset="0"/>
+                <a:cs typeface="Times New Roman" panose="02020603050405020304" pitchFamily="18" charset="0"/>
+              </a:rPr>
+              <a:t>, Magellan, IAE, Univ. J-Moulin Lyon 3  - France</a:t>
+            </a:r>
+          </a:p>
+          <a:p>
+            <a:pPr marL="0" indent="0" algn="just">
+              <a:buFont typeface="Arial" panose="020B0604020202020204" pitchFamily="34" charset="0"/>
+              <a:buNone/>
+            </a:pPr>
+            <a:r>
+              <a:rPr lang="en-US" sz="1200" dirty="0" smtClean="0">
+                <a:solidFill>
+                  <a:schemeClr val="tx2">
+                    <a:lumMod val="75000"/>
+                  </a:schemeClr>
+                </a:solidFill>
+                <a:latin typeface="Times New Roman" panose="02020603050405020304" pitchFamily="18" charset="0"/>
+                <a:cs typeface="Times New Roman" panose="02020603050405020304" pitchFamily="18" charset="0"/>
+              </a:rPr>
+              <a:t>Chirine Ghedira Guegan</a:t>
+            </a:r>
+            <a:r>
+              <a:rPr lang="en-US" sz="1200" dirty="0" smtClean="0">
+                <a:latin typeface="Times New Roman" panose="02020603050405020304" pitchFamily="18" charset="0"/>
+                <a:cs typeface="Times New Roman" panose="02020603050405020304" pitchFamily="18" charset="0"/>
+              </a:rPr>
+              <a:t>, Magellan, IAE, Univ. J-Moulin Lyon 3  - France</a:t>
+            </a:r>
+          </a:p>
+          <a:p>
+            <a:pPr marL="0" indent="0" algn="just">
+              <a:buFont typeface="Arial" panose="020B0604020202020204" pitchFamily="34" charset="0"/>
+              <a:buNone/>
+            </a:pPr>
+            <a:r>
+              <a:rPr lang="en-US" sz="1200" dirty="0" smtClean="0">
+                <a:solidFill>
+                  <a:schemeClr val="tx2">
+                    <a:lumMod val="75000"/>
+                  </a:schemeClr>
+                </a:solidFill>
+                <a:latin typeface="Times New Roman" panose="02020603050405020304" pitchFamily="18" charset="0"/>
+                <a:cs typeface="Times New Roman" panose="02020603050405020304" pitchFamily="18" charset="0"/>
+              </a:rPr>
+              <a:t>Nadia Benani</a:t>
+            </a:r>
+            <a:r>
+              <a:rPr lang="en-US" sz="1200" dirty="0" smtClean="0">
+                <a:latin typeface="Times New Roman" panose="02020603050405020304" pitchFamily="18" charset="0"/>
+                <a:cs typeface="Times New Roman" panose="02020603050405020304" pitchFamily="18" charset="0"/>
+              </a:rPr>
+              <a:t>, CNRS INSA-Lyon, LIRIS, UMR5205 - France</a:t>
+            </a:r>
+          </a:p>
+          <a:p>
+            <a:pPr marL="0" indent="0" algn="just">
+              <a:buFont typeface="Arial" panose="020B0604020202020204" pitchFamily="34" charset="0"/>
+              <a:buNone/>
+            </a:pPr>
+            <a:r>
+              <a:rPr lang="en-US" sz="1200" dirty="0" smtClean="0">
+                <a:solidFill>
+                  <a:schemeClr val="tx2">
+                    <a:lumMod val="75000"/>
+                  </a:schemeClr>
+                </a:solidFill>
+                <a:latin typeface="Times New Roman" panose="02020603050405020304" pitchFamily="18" charset="0"/>
+                <a:cs typeface="Times New Roman" panose="02020603050405020304" pitchFamily="18" charset="0"/>
+              </a:rPr>
+              <a:t>Genoveva Vargas-Solar</a:t>
+            </a:r>
+            <a:r>
+              <a:rPr lang="en-US" sz="1200" dirty="0" smtClean="0">
+                <a:latin typeface="Times New Roman" panose="02020603050405020304" pitchFamily="18" charset="0"/>
+                <a:cs typeface="Times New Roman" panose="02020603050405020304" pitchFamily="18" charset="0"/>
+              </a:rPr>
+              <a:t>, CNRS, LIG-LAFMIA, Saint Martin d'Hères - France</a:t>
+            </a:r>
+            <a:endParaRPr lang="en-US" sz="1200" dirty="0" smtClean="0">
+              <a:latin typeface="Times New Roman" panose="02020603050405020304" pitchFamily="18" charset="0"/>
+              <a:cs typeface="Times New Roman" panose="02020603050405020304" pitchFamily="18" charset="0"/>
+            </a:endParaRPr>
+          </a:p>
+        </p:txBody>
+      </p:sp>
+      <p:sp>
+        <p:nvSpPr>
+          <p:cNvPr id="50" name="ZoneTexte 49"/>
+          <p:cNvSpPr txBox="1"/>
+          <p:nvPr/>
+        </p:nvSpPr>
+        <p:spPr>
+          <a:xfrm>
+            <a:off x="2806226" y="3364566"/>
+            <a:ext cx="1822935" cy="307777"/>
+          </a:xfrm>
+          <a:prstGeom prst="rect">
+            <a:avLst/>
+          </a:prstGeom>
+          <a:noFill/>
+        </p:spPr>
+        <p:txBody>
+          <a:bodyPr wrap="none" rtlCol="0">
+            <a:spAutoFit/>
+          </a:bodyPr>
+          <a:lstStyle/>
+          <a:p>
+            <a:pPr algn="r"/>
+            <a:r>
+              <a:rPr lang="en-US" sz="1400" dirty="0" smtClean="0">
+                <a:latin typeface="Times New Roman" panose="02020603050405020304" pitchFamily="18" charset="0"/>
+                <a:cs typeface="Times New Roman" panose="02020603050405020304" pitchFamily="18" charset="0"/>
+              </a:rPr>
+              <a:t>Query + Requirements</a:t>
+            </a:r>
+            <a:endParaRPr lang="en-US" sz="1400" dirty="0">
+              <a:latin typeface="Times New Roman" panose="02020603050405020304" pitchFamily="18" charset="0"/>
+              <a:cs typeface="Times New Roman" panose="02020603050405020304" pitchFamily="18" charset="0"/>
+            </a:endParaRPr>
+          </a:p>
+        </p:txBody>
+      </p:sp>
+      <p:pic>
+        <p:nvPicPr>
+          <p:cNvPr id="60" name="Image 59" descr="user.png"/>
+          <p:cNvPicPr>
+            <a:picLocks noChangeAspect="1"/>
+          </p:cNvPicPr>
+          <p:nvPr/>
+        </p:nvPicPr>
+        <p:blipFill>
+          <a:blip r:embed="rId2"/>
+          <a:stretch>
+            <a:fillRect/>
+          </a:stretch>
+        </p:blipFill>
+        <p:spPr>
+          <a:xfrm>
+            <a:off x="1787298" y="3380602"/>
+            <a:ext cx="552454" cy="552454"/>
+          </a:xfrm>
+          <a:prstGeom prst="rect">
+            <a:avLst/>
+          </a:prstGeom>
+        </p:spPr>
+      </p:pic>
+      <p:cxnSp>
+        <p:nvCxnSpPr>
+          <p:cNvPr id="64" name="Connecteur droit avec flèche 63"/>
+          <p:cNvCxnSpPr/>
+          <p:nvPr/>
+        </p:nvCxnSpPr>
+        <p:spPr>
+          <a:xfrm flipV="1">
+            <a:off x="2339752" y="3693989"/>
+            <a:ext cx="2880320" cy="21821"/>
+          </a:xfrm>
+          <a:prstGeom prst="straightConnector1">
+            <a:avLst/>
+          </a:prstGeom>
+          <a:ln>
+            <a:tailEnd type="arrow"/>
+          </a:ln>
+        </p:spPr>
+        <p:style>
+          <a:lnRef idx="2">
+            <a:schemeClr val="accent1"/>
+          </a:lnRef>
+          <a:fillRef idx="0">
+            <a:schemeClr val="accent1"/>
+          </a:fillRef>
+          <a:effectRef idx="1">
+            <a:schemeClr val="accent1"/>
+          </a:effectRef>
+          <a:fontRef idx="minor">
+            <a:schemeClr val="tx1"/>
+          </a:fontRef>
+        </p:style>
+      </p:cxnSp>
+      <p:sp>
+        <p:nvSpPr>
+          <p:cNvPr id="73" name="Nuage 72"/>
+          <p:cNvSpPr/>
+          <p:nvPr/>
+        </p:nvSpPr>
+        <p:spPr>
+          <a:xfrm>
+            <a:off x="5580112" y="3140968"/>
+            <a:ext cx="1080120" cy="534343"/>
+          </a:xfrm>
+          <a:prstGeom prst="cloud">
+            <a:avLst/>
+          </a:prstGeom>
+          <a:solidFill>
+            <a:schemeClr val="bg1"/>
+          </a:solidFill>
+        </p:spPr>
+        <p:style>
+          <a:lnRef idx="2">
+            <a:schemeClr val="accent1">
+              <a:shade val="50000"/>
+            </a:schemeClr>
+          </a:lnRef>
+          <a:fillRef idx="1">
+            <a:schemeClr val="accent1"/>
+          </a:fillRef>
+          <a:effectRef idx="0">
+            <a:schemeClr val="accent1"/>
+          </a:effectRef>
+          <a:fontRef idx="minor">
+            <a:schemeClr val="lt1"/>
+          </a:fontRef>
+        </p:style>
+        <p:txBody>
+          <a:bodyPr rtlCol="0" anchor="ctr"/>
+          <a:lstStyle/>
+          <a:p>
+            <a:pPr algn="ctr"/>
+            <a:endParaRPr lang="en-US"/>
+          </a:p>
+        </p:txBody>
+      </p:sp>
+      <p:sp>
+        <p:nvSpPr>
+          <p:cNvPr id="74" name="Nuage 73"/>
+          <p:cNvSpPr/>
+          <p:nvPr/>
+        </p:nvSpPr>
+        <p:spPr>
+          <a:xfrm>
+            <a:off x="6372200" y="3247883"/>
+            <a:ext cx="1080120" cy="534343"/>
+          </a:xfrm>
+          <a:prstGeom prst="cloud">
+            <a:avLst/>
+          </a:prstGeom>
+          <a:solidFill>
+            <a:schemeClr val="bg1"/>
+          </a:solidFill>
+        </p:spPr>
+        <p:style>
+          <a:lnRef idx="2">
+            <a:schemeClr val="accent1">
+              <a:shade val="50000"/>
+            </a:schemeClr>
+          </a:lnRef>
+          <a:fillRef idx="1">
+            <a:schemeClr val="accent1"/>
+          </a:fillRef>
+          <a:effectRef idx="0">
+            <a:schemeClr val="accent1"/>
+          </a:effectRef>
+          <a:fontRef idx="minor">
+            <a:schemeClr val="lt1"/>
+          </a:fontRef>
+        </p:style>
+        <p:txBody>
+          <a:bodyPr rtlCol="0" anchor="ctr"/>
+          <a:lstStyle/>
+          <a:p>
+            <a:pPr algn="ctr"/>
+            <a:endParaRPr lang="en-US"/>
+          </a:p>
+        </p:txBody>
+      </p:sp>
+      <p:sp>
+        <p:nvSpPr>
+          <p:cNvPr id="75" name="Nuage 74"/>
+          <p:cNvSpPr/>
+          <p:nvPr/>
+        </p:nvSpPr>
+        <p:spPr>
+          <a:xfrm>
+            <a:off x="5292080" y="3478639"/>
+            <a:ext cx="1080120" cy="534343"/>
+          </a:xfrm>
+          <a:prstGeom prst="cloud">
+            <a:avLst/>
+          </a:prstGeom>
+          <a:solidFill>
+            <a:schemeClr val="bg1"/>
+          </a:solidFill>
+        </p:spPr>
+        <p:style>
+          <a:lnRef idx="2">
+            <a:schemeClr val="accent1">
+              <a:shade val="50000"/>
+            </a:schemeClr>
+          </a:lnRef>
+          <a:fillRef idx="1">
+            <a:schemeClr val="accent1"/>
+          </a:fillRef>
+          <a:effectRef idx="0">
+            <a:schemeClr val="accent1"/>
+          </a:effectRef>
+          <a:fontRef idx="minor">
+            <a:schemeClr val="lt1"/>
+          </a:fontRef>
+        </p:style>
+        <p:txBody>
+          <a:bodyPr rtlCol="0" anchor="ctr"/>
+          <a:lstStyle/>
+          <a:p>
+            <a:pPr algn="ctr"/>
+            <a:endParaRPr lang="en-US"/>
+          </a:p>
+        </p:txBody>
+      </p:sp>
+      <p:sp>
+        <p:nvSpPr>
+          <p:cNvPr id="76" name="Nuage 75"/>
+          <p:cNvSpPr/>
+          <p:nvPr/>
+        </p:nvSpPr>
+        <p:spPr>
+          <a:xfrm>
+            <a:off x="5877816" y="3576002"/>
+            <a:ext cx="1080120" cy="534343"/>
+          </a:xfrm>
+          <a:prstGeom prst="cloud">
+            <a:avLst/>
+          </a:prstGeom>
+          <a:solidFill>
+            <a:schemeClr val="bg1"/>
+          </a:solidFill>
+        </p:spPr>
+        <p:style>
+          <a:lnRef idx="2">
+            <a:schemeClr val="accent1">
+              <a:shade val="50000"/>
+            </a:schemeClr>
+          </a:lnRef>
+          <a:fillRef idx="1">
+            <a:schemeClr val="accent1"/>
+          </a:fillRef>
+          <a:effectRef idx="0">
+            <a:schemeClr val="accent1"/>
+          </a:effectRef>
+          <a:fontRef idx="minor">
+            <a:schemeClr val="lt1"/>
+          </a:fontRef>
+        </p:style>
+        <p:txBody>
+          <a:bodyPr rtlCol="0" anchor="ctr"/>
+          <a:lstStyle/>
+          <a:p>
+            <a:pPr algn="ctr"/>
+            <a:endParaRPr lang="en-US"/>
+          </a:p>
+        </p:txBody>
+      </p:sp>
+      <p:sp>
+        <p:nvSpPr>
+          <p:cNvPr id="77" name="Ellipse 56"/>
+          <p:cNvSpPr>
+            <a:spLocks noChangeArrowheads="1"/>
+          </p:cNvSpPr>
+          <p:nvPr/>
+        </p:nvSpPr>
+        <p:spPr bwMode="auto">
+          <a:xfrm flipH="1">
+            <a:off x="5578044" y="3546486"/>
+            <a:ext cx="299772" cy="303206"/>
+          </a:xfrm>
+          <a:prstGeom prst="ellipse">
+            <a:avLst/>
+          </a:prstGeom>
+          <a:solidFill>
+            <a:schemeClr val="hlink">
+              <a:alpha val="12157"/>
+            </a:schemeClr>
+          </a:solidFill>
+          <a:ln w="9525" algn="ctr">
+            <a:solidFill>
+              <a:schemeClr val="tx1"/>
+            </a:solidFill>
+            <a:round/>
+            <a:headEnd/>
+            <a:tailEnd/>
+          </a:ln>
+          <a:effectLst/>
+          <a:extLst>
+            <a:ext uri="{AF507438-7753-43E0-B8FC-AC1667EBCBE1}">
+              <a14:hiddenEffects xmlns:a14="http://schemas.microsoft.com/office/drawing/2010/main">
+                <a:effectLst>
+                  <a:outerShdw dist="35921" dir="2700000" algn="ctr" rotWithShape="0">
+                    <a:schemeClr val="bg2"/>
+                  </a:outerShdw>
+                </a:effectLst>
+              </a14:hiddenEffects>
+            </a:ext>
+          </a:extLst>
+        </p:spPr>
+        <p:txBody>
+          <a:bodyPr wrap="none" anchor="ctr"/>
+          <a:lstStyle/>
+          <a:p>
+            <a:pPr algn="ctr" defTabSz="862013"/>
+            <a:r>
+              <a:rPr lang="fr-FR" sz="1400" dirty="0" smtClean="0"/>
+              <a:t>S1</a:t>
+            </a:r>
+            <a:endParaRPr lang="en-US" sz="1400" dirty="0"/>
+          </a:p>
+        </p:txBody>
+      </p:sp>
+      <p:sp>
+        <p:nvSpPr>
+          <p:cNvPr id="78" name="Parchemin vertical 77"/>
+          <p:cNvSpPr/>
+          <p:nvPr/>
+        </p:nvSpPr>
+        <p:spPr bwMode="auto">
+          <a:xfrm>
+            <a:off x="5376255" y="3750757"/>
+            <a:ext cx="345000" cy="235675"/>
+          </a:xfrm>
+          <a:prstGeom prst="verticalScroll">
+            <a:avLst/>
+          </a:prstGeom>
+          <a:ln>
+            <a:headEnd type="none" w="med" len="med"/>
+            <a:tailEnd type="none" w="med" len="med"/>
+          </a:ln>
+          <a:extLst/>
+        </p:spPr>
+        <p:style>
+          <a:lnRef idx="1">
+            <a:schemeClr val="dk1"/>
+          </a:lnRef>
+          <a:fillRef idx="2">
+            <a:schemeClr val="dk1"/>
+          </a:fillRef>
+          <a:effectRef idx="1">
+            <a:schemeClr val="dk1"/>
+          </a:effectRef>
+          <a:fontRef idx="minor">
+            <a:schemeClr val="dk1"/>
+          </a:fontRef>
+        </p:style>
+        <p:txBody>
+          <a:bodyPr wrap="none" anchor="ctr"/>
+          <a:lstStyle/>
+          <a:p>
+            <a:pPr algn="ctr" defTabSz="862013">
+              <a:defRPr/>
+            </a:pPr>
+            <a:r>
+              <a:rPr lang="fr-FR" sz="1050" dirty="0">
+                <a:solidFill>
+                  <a:schemeClr val="tx1"/>
+                </a:solidFill>
+                <a:latin typeface="Times New Roman" pitchFamily="18" charset="0"/>
+              </a:rPr>
+              <a:t>SLA</a:t>
+            </a:r>
+            <a:endParaRPr lang="en-US" sz="1050" dirty="0">
+              <a:solidFill>
+                <a:schemeClr val="tx1"/>
+              </a:solidFill>
+              <a:latin typeface="Times New Roman" pitchFamily="18" charset="0"/>
+            </a:endParaRPr>
+          </a:p>
+        </p:txBody>
+      </p:sp>
+      <p:sp>
+        <p:nvSpPr>
+          <p:cNvPr id="79" name="Ellipse 56"/>
+          <p:cNvSpPr>
+            <a:spLocks noChangeArrowheads="1"/>
+          </p:cNvSpPr>
+          <p:nvPr/>
+        </p:nvSpPr>
+        <p:spPr bwMode="auto">
+          <a:xfrm flipH="1">
+            <a:off x="6030216" y="3140968"/>
+            <a:ext cx="299772" cy="303206"/>
+          </a:xfrm>
+          <a:prstGeom prst="ellipse">
+            <a:avLst/>
+          </a:prstGeom>
+          <a:solidFill>
+            <a:schemeClr val="hlink">
+              <a:alpha val="12157"/>
+            </a:schemeClr>
+          </a:solidFill>
+          <a:ln w="9525" algn="ctr">
+            <a:solidFill>
+              <a:schemeClr val="tx1"/>
+            </a:solidFill>
+            <a:round/>
+            <a:headEnd/>
+            <a:tailEnd/>
+          </a:ln>
+          <a:effectLst/>
+          <a:extLst>
+            <a:ext uri="{AF507438-7753-43E0-B8FC-AC1667EBCBE1}">
+              <a14:hiddenEffects xmlns:a14="http://schemas.microsoft.com/office/drawing/2010/main">
+                <a:effectLst>
+                  <a:outerShdw dist="35921" dir="2700000" algn="ctr" rotWithShape="0">
+                    <a:schemeClr val="bg2"/>
+                  </a:outerShdw>
+                </a:effectLst>
+              </a14:hiddenEffects>
+            </a:ext>
+          </a:extLst>
+        </p:spPr>
+        <p:txBody>
+          <a:bodyPr wrap="none" anchor="ctr"/>
+          <a:lstStyle/>
+          <a:p>
+            <a:pPr algn="ctr" defTabSz="862013"/>
+            <a:r>
+              <a:rPr lang="fr-FR" sz="1400" dirty="0" smtClean="0"/>
+              <a:t>S2</a:t>
+            </a:r>
+            <a:endParaRPr lang="en-US" sz="1400" dirty="0"/>
+          </a:p>
+        </p:txBody>
+      </p:sp>
+      <p:sp>
+        <p:nvSpPr>
+          <p:cNvPr id="80" name="Ellipse 56"/>
+          <p:cNvSpPr>
+            <a:spLocks noChangeArrowheads="1"/>
+          </p:cNvSpPr>
+          <p:nvPr/>
+        </p:nvSpPr>
+        <p:spPr bwMode="auto">
+          <a:xfrm flipH="1">
+            <a:off x="6372200" y="3623810"/>
+            <a:ext cx="299772" cy="303206"/>
+          </a:xfrm>
+          <a:prstGeom prst="ellipse">
+            <a:avLst/>
+          </a:prstGeom>
+          <a:solidFill>
+            <a:schemeClr val="hlink">
+              <a:alpha val="12157"/>
+            </a:schemeClr>
+          </a:solidFill>
+          <a:ln w="9525" algn="ctr">
+            <a:solidFill>
+              <a:schemeClr val="tx1"/>
+            </a:solidFill>
+            <a:round/>
+            <a:headEnd/>
+            <a:tailEnd/>
+          </a:ln>
+          <a:effectLst/>
+          <a:extLst>
+            <a:ext uri="{AF507438-7753-43E0-B8FC-AC1667EBCBE1}">
+              <a14:hiddenEffects xmlns:a14="http://schemas.microsoft.com/office/drawing/2010/main">
+                <a:effectLst>
+                  <a:outerShdw dist="35921" dir="2700000" algn="ctr" rotWithShape="0">
+                    <a:schemeClr val="bg2"/>
+                  </a:outerShdw>
+                </a:effectLst>
+              </a14:hiddenEffects>
+            </a:ext>
+          </a:extLst>
+        </p:spPr>
+        <p:txBody>
+          <a:bodyPr wrap="none" anchor="ctr"/>
+          <a:lstStyle/>
+          <a:p>
+            <a:pPr algn="ctr" defTabSz="862013"/>
+            <a:r>
+              <a:rPr lang="fr-FR" sz="1400" dirty="0" smtClean="0"/>
+              <a:t>S3</a:t>
+            </a:r>
+            <a:endParaRPr lang="en-US" sz="1400" dirty="0"/>
+          </a:p>
+        </p:txBody>
+      </p:sp>
+      <p:sp>
+        <p:nvSpPr>
+          <p:cNvPr id="81" name="Ellipse 56"/>
+          <p:cNvSpPr>
+            <a:spLocks noChangeArrowheads="1"/>
+          </p:cNvSpPr>
+          <p:nvPr/>
+        </p:nvSpPr>
+        <p:spPr bwMode="auto">
+          <a:xfrm flipH="1">
+            <a:off x="6957936" y="3211848"/>
+            <a:ext cx="299772" cy="303206"/>
+          </a:xfrm>
+          <a:prstGeom prst="ellipse">
+            <a:avLst/>
+          </a:prstGeom>
+          <a:solidFill>
+            <a:schemeClr val="hlink">
+              <a:alpha val="12157"/>
+            </a:schemeClr>
+          </a:solidFill>
+          <a:ln w="9525" algn="ctr">
+            <a:solidFill>
+              <a:schemeClr val="tx1"/>
+            </a:solidFill>
+            <a:round/>
+            <a:headEnd/>
+            <a:tailEnd/>
+          </a:ln>
+          <a:effectLst/>
+          <a:extLst>
+            <a:ext uri="{AF507438-7753-43E0-B8FC-AC1667EBCBE1}">
+              <a14:hiddenEffects xmlns:a14="http://schemas.microsoft.com/office/drawing/2010/main">
+                <a:effectLst>
+                  <a:outerShdw dist="35921" dir="2700000" algn="ctr" rotWithShape="0">
+                    <a:schemeClr val="bg2"/>
+                  </a:outerShdw>
+                </a:effectLst>
+              </a14:hiddenEffects>
+            </a:ext>
+          </a:extLst>
+        </p:spPr>
+        <p:txBody>
+          <a:bodyPr wrap="none" anchor="ctr"/>
+          <a:lstStyle/>
+          <a:p>
+            <a:pPr algn="ctr" defTabSz="862013"/>
+            <a:r>
+              <a:rPr lang="fr-FR" sz="1400" dirty="0" smtClean="0"/>
+              <a:t>S4</a:t>
+            </a:r>
+            <a:endParaRPr lang="en-US" sz="1400" dirty="0"/>
+          </a:p>
+        </p:txBody>
+      </p:sp>
+      <p:sp>
+        <p:nvSpPr>
+          <p:cNvPr id="82" name="Parchemin vertical 81"/>
+          <p:cNvSpPr/>
+          <p:nvPr/>
+        </p:nvSpPr>
+        <p:spPr bwMode="auto">
+          <a:xfrm>
+            <a:off x="5857716" y="3359626"/>
+            <a:ext cx="345000" cy="235675"/>
+          </a:xfrm>
+          <a:prstGeom prst="verticalScroll">
+            <a:avLst/>
+          </a:prstGeom>
+          <a:ln>
+            <a:headEnd type="none" w="med" len="med"/>
+            <a:tailEnd type="none" w="med" len="med"/>
+          </a:ln>
+          <a:extLst/>
+        </p:spPr>
+        <p:style>
+          <a:lnRef idx="1">
+            <a:schemeClr val="dk1"/>
+          </a:lnRef>
+          <a:fillRef idx="2">
+            <a:schemeClr val="dk1"/>
+          </a:fillRef>
+          <a:effectRef idx="1">
+            <a:schemeClr val="dk1"/>
+          </a:effectRef>
+          <a:fontRef idx="minor">
+            <a:schemeClr val="dk1"/>
+          </a:fontRef>
+        </p:style>
+        <p:txBody>
+          <a:bodyPr wrap="none" anchor="ctr"/>
+          <a:lstStyle/>
+          <a:p>
+            <a:pPr algn="ctr" defTabSz="862013">
+              <a:defRPr/>
+            </a:pPr>
+            <a:r>
+              <a:rPr lang="fr-FR" sz="1050" dirty="0">
+                <a:solidFill>
+                  <a:schemeClr val="tx1"/>
+                </a:solidFill>
+                <a:latin typeface="Times New Roman" pitchFamily="18" charset="0"/>
+              </a:rPr>
+              <a:t>SLA</a:t>
+            </a:r>
+            <a:endParaRPr lang="en-US" sz="1050" dirty="0">
+              <a:solidFill>
+                <a:schemeClr val="tx1"/>
+              </a:solidFill>
+              <a:latin typeface="Times New Roman" pitchFamily="18" charset="0"/>
+            </a:endParaRPr>
+          </a:p>
+        </p:txBody>
+      </p:sp>
+      <p:sp>
+        <p:nvSpPr>
+          <p:cNvPr id="83" name="Parchemin vertical 82"/>
+          <p:cNvSpPr/>
+          <p:nvPr/>
+        </p:nvSpPr>
+        <p:spPr bwMode="auto">
+          <a:xfrm>
+            <a:off x="6171216" y="3861048"/>
+            <a:ext cx="345000" cy="235675"/>
+          </a:xfrm>
+          <a:prstGeom prst="verticalScroll">
+            <a:avLst/>
+          </a:prstGeom>
+          <a:ln>
+            <a:headEnd type="none" w="med" len="med"/>
+            <a:tailEnd type="none" w="med" len="med"/>
+          </a:ln>
+          <a:extLst/>
+        </p:spPr>
+        <p:style>
+          <a:lnRef idx="1">
+            <a:schemeClr val="dk1"/>
+          </a:lnRef>
+          <a:fillRef idx="2">
+            <a:schemeClr val="dk1"/>
+          </a:fillRef>
+          <a:effectRef idx="1">
+            <a:schemeClr val="dk1"/>
+          </a:effectRef>
+          <a:fontRef idx="minor">
+            <a:schemeClr val="dk1"/>
+          </a:fontRef>
+        </p:style>
+        <p:txBody>
+          <a:bodyPr wrap="none" anchor="ctr"/>
+          <a:lstStyle/>
+          <a:p>
+            <a:pPr algn="ctr" defTabSz="862013">
+              <a:defRPr/>
+            </a:pPr>
+            <a:r>
+              <a:rPr lang="fr-FR" sz="1050" dirty="0">
+                <a:solidFill>
+                  <a:schemeClr val="tx1"/>
+                </a:solidFill>
+                <a:latin typeface="Times New Roman" pitchFamily="18" charset="0"/>
+              </a:rPr>
+              <a:t>SLA</a:t>
+            </a:r>
+            <a:endParaRPr lang="en-US" sz="1050" dirty="0">
+              <a:solidFill>
+                <a:schemeClr val="tx1"/>
+              </a:solidFill>
+              <a:latin typeface="Times New Roman" pitchFamily="18" charset="0"/>
+            </a:endParaRPr>
+          </a:p>
+        </p:txBody>
+      </p:sp>
+      <p:sp>
+        <p:nvSpPr>
+          <p:cNvPr id="84" name="Parchemin vertical 83"/>
+          <p:cNvSpPr/>
+          <p:nvPr/>
+        </p:nvSpPr>
+        <p:spPr bwMode="auto">
+          <a:xfrm>
+            <a:off x="6747280" y="3429000"/>
+            <a:ext cx="345000" cy="235675"/>
+          </a:xfrm>
+          <a:prstGeom prst="verticalScroll">
+            <a:avLst/>
+          </a:prstGeom>
+          <a:ln>
+            <a:headEnd type="none" w="med" len="med"/>
+            <a:tailEnd type="none" w="med" len="med"/>
+          </a:ln>
+          <a:extLst/>
+        </p:spPr>
+        <p:style>
+          <a:lnRef idx="1">
+            <a:schemeClr val="dk1"/>
+          </a:lnRef>
+          <a:fillRef idx="2">
+            <a:schemeClr val="dk1"/>
+          </a:fillRef>
+          <a:effectRef idx="1">
+            <a:schemeClr val="dk1"/>
+          </a:effectRef>
+          <a:fontRef idx="minor">
+            <a:schemeClr val="dk1"/>
+          </a:fontRef>
+        </p:style>
+        <p:txBody>
+          <a:bodyPr wrap="none" anchor="ctr"/>
+          <a:lstStyle/>
+          <a:p>
+            <a:pPr algn="ctr" defTabSz="862013">
+              <a:defRPr/>
+            </a:pPr>
+            <a:r>
+              <a:rPr lang="fr-FR" sz="1050" dirty="0">
+                <a:solidFill>
+                  <a:schemeClr val="tx1"/>
+                </a:solidFill>
+                <a:latin typeface="Times New Roman" pitchFamily="18" charset="0"/>
+              </a:rPr>
+              <a:t>SLA</a:t>
+            </a:r>
+            <a:endParaRPr lang="en-US" sz="1050" dirty="0">
+              <a:solidFill>
+                <a:schemeClr val="tx1"/>
+              </a:solidFill>
+              <a:latin typeface="Times New Roman" pitchFamily="18" charset="0"/>
+            </a:endParaRPr>
+          </a:p>
+        </p:txBody>
+      </p:sp>
     </p:spTree>
     <p:extLst>
       <p:ext uri="{BB962C8B-B14F-4D97-AF65-F5344CB8AC3E}">
@@ -3352,6 +4347,13 @@
   <p:clrMapOvr>
     <a:masterClrMapping/>
   </p:clrMapOvr>
+  <p:timing>
+    <p:tnLst>
+      <p:par>
+        <p:cTn id="1" dur="indefinite" restart="never" nodeType="tmRoot"/>
+      </p:par>
+    </p:tnLst>
+  </p:timing>
 </p:sld>
 </file>
 

--- a/Presentations/ARC 6 2015 one slide.pptx
+++ b/Presentations/ARC 6 2015 one slide.pptx
@@ -4,6 +4,9 @@
   <p:sldMasterIdLst>
     <p:sldMasterId id="2147483648" r:id="rId1"/>
   </p:sldMasterIdLst>
+  <p:notesMasterIdLst>
+    <p:notesMasterId r:id="rId3"/>
+  </p:notesMasterIdLst>
   <p:sldIdLst>
     <p:sldId id="260" r:id="rId2"/>
   </p:sldIdLst>
@@ -104,7 +107,489 @@
       </a:defRPr>
     </a:lvl9pPr>
   </p:defaultTextStyle>
+  <p:extLst>
+    <p:ext uri="{EFAFB233-063F-42B5-8137-9DF3F51BA10A}">
+      <p15:sldGuideLst xmlns:p15="http://schemas.microsoft.com/office/powerpoint/2012/main" xmlns="">
+        <p15:guide id="1" orient="horz" pos="2160">
+          <p15:clr>
+            <a:srgbClr val="A4A3A4"/>
+          </p15:clr>
+        </p15:guide>
+        <p15:guide id="2" pos="2880">
+          <p15:clr>
+            <a:srgbClr val="A4A3A4"/>
+          </p15:clr>
+        </p15:guide>
+      </p15:sldGuideLst>
+    </p:ext>
+  </p:extLst>
 </p:presentation>
+</file>
+
+<file path=ppt/commentAuthors.xml><?xml version="1.0" encoding="utf-8"?>
+<p:cmAuthorLst xmlns:a="http://schemas.openxmlformats.org/drawingml/2006/main" xmlns:r="http://schemas.openxmlformats.org/officeDocument/2006/relationships" xmlns:p="http://schemas.openxmlformats.org/presentationml/2006/main">
+  <p:cmAuthor id="1" name="Genoveva Vargas-Solar" initials="GV" lastIdx="1" clrIdx="0">
+    <p:extLst>
+      <p:ext uri="{19B8F6BF-5375-455C-9EA6-DF929625EA0E}">
+        <p15:presenceInfo xmlns:p15="http://schemas.microsoft.com/office/powerpoint/2012/main" xmlns="" userId="" providerId=""/>
+      </p:ext>
+    </p:extLst>
+  </p:cmAuthor>
+</p:cmAuthorLst>
+</file>
+
+<file path=ppt/notesMasters/notesMaster1.xml><?xml version="1.0" encoding="utf-8"?>
+<p:notesMaster xmlns:a="http://schemas.openxmlformats.org/drawingml/2006/main" xmlns:r="http://schemas.openxmlformats.org/officeDocument/2006/relationships" xmlns:p="http://schemas.openxmlformats.org/presentationml/2006/main">
+  <p:cSld>
+    <p:bg>
+      <p:bgRef idx="1001">
+        <a:schemeClr val="bg1"/>
+      </p:bgRef>
+    </p:bg>
+    <p:spTree>
+      <p:nvGrpSpPr>
+        <p:cNvPr id="1" name=""/>
+        <p:cNvGrpSpPr/>
+        <p:nvPr/>
+      </p:nvGrpSpPr>
+      <p:grpSpPr>
+        <a:xfrm>
+          <a:off x="0" y="0"/>
+          <a:ext cx="0" cy="0"/>
+          <a:chOff x="0" y="0"/>
+          <a:chExt cx="0" cy="0"/>
+        </a:xfrm>
+      </p:grpSpPr>
+      <p:sp>
+        <p:nvSpPr>
+          <p:cNvPr id="2" name="Espace réservé de l'en-tête 1"/>
+          <p:cNvSpPr>
+            <a:spLocks noGrp="1"/>
+          </p:cNvSpPr>
+          <p:nvPr>
+            <p:ph type="hdr" sz="quarter"/>
+          </p:nvPr>
+        </p:nvSpPr>
+        <p:spPr>
+          <a:xfrm>
+            <a:off x="0" y="0"/>
+            <a:ext cx="2971800" cy="457200"/>
+          </a:xfrm>
+          <a:prstGeom prst="rect">
+            <a:avLst/>
+          </a:prstGeom>
+        </p:spPr>
+        <p:txBody>
+          <a:bodyPr vert="horz" lIns="91440" tIns="45720" rIns="91440" bIns="45720" rtlCol="0"/>
+          <a:lstStyle>
+            <a:lvl1pPr algn="l">
+              <a:defRPr sz="1200"/>
+            </a:lvl1pPr>
+          </a:lstStyle>
+          <a:p>
+            <a:endParaRPr lang="en-US"/>
+          </a:p>
+        </p:txBody>
+      </p:sp>
+      <p:sp>
+        <p:nvSpPr>
+          <p:cNvPr id="3" name="Espace réservé de la date 2"/>
+          <p:cNvSpPr>
+            <a:spLocks noGrp="1"/>
+          </p:cNvSpPr>
+          <p:nvPr>
+            <p:ph type="dt" idx="1"/>
+          </p:nvPr>
+        </p:nvSpPr>
+        <p:spPr>
+          <a:xfrm>
+            <a:off x="3884613" y="0"/>
+            <a:ext cx="2971800" cy="457200"/>
+          </a:xfrm>
+          <a:prstGeom prst="rect">
+            <a:avLst/>
+          </a:prstGeom>
+        </p:spPr>
+        <p:txBody>
+          <a:bodyPr vert="horz" lIns="91440" tIns="45720" rIns="91440" bIns="45720" rtlCol="0"/>
+          <a:lstStyle>
+            <a:lvl1pPr algn="r">
+              <a:defRPr sz="1200"/>
+            </a:lvl1pPr>
+          </a:lstStyle>
+          <a:p>
+            <a:fld id="{057874E9-8172-45A8-9220-892324655A7E}" type="datetimeFigureOut">
+              <a:rPr lang="en-US" smtClean="0"/>
+              <a:t>10/31/2015</a:t>
+            </a:fld>
+            <a:endParaRPr lang="en-US"/>
+          </a:p>
+        </p:txBody>
+      </p:sp>
+      <p:sp>
+        <p:nvSpPr>
+          <p:cNvPr id="4" name="Espace réservé de l'image des diapositives 3"/>
+          <p:cNvSpPr>
+            <a:spLocks noGrp="1" noRot="1" noChangeAspect="1"/>
+          </p:cNvSpPr>
+          <p:nvPr>
+            <p:ph type="sldImg" idx="2"/>
+          </p:nvPr>
+        </p:nvSpPr>
+        <p:spPr>
+          <a:xfrm>
+            <a:off x="1143000" y="685800"/>
+            <a:ext cx="4572000" cy="3429000"/>
+          </a:xfrm>
+          <a:prstGeom prst="rect">
+            <a:avLst/>
+          </a:prstGeom>
+          <a:noFill/>
+          <a:ln w="12700">
+            <a:solidFill>
+              <a:prstClr val="black"/>
+            </a:solidFill>
+          </a:ln>
+        </p:spPr>
+        <p:txBody>
+          <a:bodyPr vert="horz" lIns="91440" tIns="45720" rIns="91440" bIns="45720" rtlCol="0" anchor="ctr"/>
+          <a:lstStyle/>
+          <a:p>
+            <a:endParaRPr lang="en-US"/>
+          </a:p>
+        </p:txBody>
+      </p:sp>
+      <p:sp>
+        <p:nvSpPr>
+          <p:cNvPr id="5" name="Espace réservé des commentaires 4"/>
+          <p:cNvSpPr>
+            <a:spLocks noGrp="1"/>
+          </p:cNvSpPr>
+          <p:nvPr>
+            <p:ph type="body" sz="quarter" idx="3"/>
+          </p:nvPr>
+        </p:nvSpPr>
+        <p:spPr>
+          <a:xfrm>
+            <a:off x="685800" y="4343400"/>
+            <a:ext cx="5486400" cy="4114800"/>
+          </a:xfrm>
+          <a:prstGeom prst="rect">
+            <a:avLst/>
+          </a:prstGeom>
+        </p:spPr>
+        <p:txBody>
+          <a:bodyPr vert="horz" lIns="91440" tIns="45720" rIns="91440" bIns="45720" rtlCol="0"/>
+          <a:lstStyle/>
+          <a:p>
+            <a:pPr lvl="0"/>
+            <a:r>
+              <a:rPr lang="fr-FR" smtClean="0"/>
+              <a:t>Modifiez les styles du texte du masque</a:t>
+            </a:r>
+          </a:p>
+          <a:p>
+            <a:pPr lvl="1"/>
+            <a:r>
+              <a:rPr lang="fr-FR" smtClean="0"/>
+              <a:t>Deuxième niveau</a:t>
+            </a:r>
+          </a:p>
+          <a:p>
+            <a:pPr lvl="2"/>
+            <a:r>
+              <a:rPr lang="fr-FR" smtClean="0"/>
+              <a:t>Troisième niveau</a:t>
+            </a:r>
+          </a:p>
+          <a:p>
+            <a:pPr lvl="3"/>
+            <a:r>
+              <a:rPr lang="fr-FR" smtClean="0"/>
+              <a:t>Quatrième niveau</a:t>
+            </a:r>
+          </a:p>
+          <a:p>
+            <a:pPr lvl="4"/>
+            <a:r>
+              <a:rPr lang="fr-FR" smtClean="0"/>
+              <a:t>Cinquième niveau</a:t>
+            </a:r>
+            <a:endParaRPr lang="en-US"/>
+          </a:p>
+        </p:txBody>
+      </p:sp>
+      <p:sp>
+        <p:nvSpPr>
+          <p:cNvPr id="6" name="Espace réservé du pied de page 5"/>
+          <p:cNvSpPr>
+            <a:spLocks noGrp="1"/>
+          </p:cNvSpPr>
+          <p:nvPr>
+            <p:ph type="ftr" sz="quarter" idx="4"/>
+          </p:nvPr>
+        </p:nvSpPr>
+        <p:spPr>
+          <a:xfrm>
+            <a:off x="0" y="8685213"/>
+            <a:ext cx="2971800" cy="457200"/>
+          </a:xfrm>
+          <a:prstGeom prst="rect">
+            <a:avLst/>
+          </a:prstGeom>
+        </p:spPr>
+        <p:txBody>
+          <a:bodyPr vert="horz" lIns="91440" tIns="45720" rIns="91440" bIns="45720" rtlCol="0" anchor="b"/>
+          <a:lstStyle>
+            <a:lvl1pPr algn="l">
+              <a:defRPr sz="1200"/>
+            </a:lvl1pPr>
+          </a:lstStyle>
+          <a:p>
+            <a:endParaRPr lang="en-US"/>
+          </a:p>
+        </p:txBody>
+      </p:sp>
+      <p:sp>
+        <p:nvSpPr>
+          <p:cNvPr id="7" name="Espace réservé du numéro de diapositive 6"/>
+          <p:cNvSpPr>
+            <a:spLocks noGrp="1"/>
+          </p:cNvSpPr>
+          <p:nvPr>
+            <p:ph type="sldNum" sz="quarter" idx="5"/>
+          </p:nvPr>
+        </p:nvSpPr>
+        <p:spPr>
+          <a:xfrm>
+            <a:off x="3884613" y="8685213"/>
+            <a:ext cx="2971800" cy="457200"/>
+          </a:xfrm>
+          <a:prstGeom prst="rect">
+            <a:avLst/>
+          </a:prstGeom>
+        </p:spPr>
+        <p:txBody>
+          <a:bodyPr vert="horz" lIns="91440" tIns="45720" rIns="91440" bIns="45720" rtlCol="0" anchor="b"/>
+          <a:lstStyle>
+            <a:lvl1pPr algn="r">
+              <a:defRPr sz="1200"/>
+            </a:lvl1pPr>
+          </a:lstStyle>
+          <a:p>
+            <a:fld id="{E1BB28E8-CE4B-4A6D-B59C-1DCE3BDD9060}" type="slidenum">
+              <a:rPr lang="en-US" smtClean="0"/>
+              <a:t>‹N°›</a:t>
+            </a:fld>
+            <a:endParaRPr lang="en-US"/>
+          </a:p>
+        </p:txBody>
+      </p:sp>
+    </p:spTree>
+    <p:extLst>
+      <p:ext uri="{BB962C8B-B14F-4D97-AF65-F5344CB8AC3E}">
+        <p14:creationId xmlns:p14="http://schemas.microsoft.com/office/powerpoint/2010/main" val="2672919881"/>
+      </p:ext>
+    </p:extLst>
+  </p:cSld>
+  <p:clrMap bg1="lt1" tx1="dk1" bg2="lt2" tx2="dk2" accent1="accent1" accent2="accent2" accent3="accent3" accent4="accent4" accent5="accent5" accent6="accent6" hlink="hlink" folHlink="folHlink"/>
+  <p:notesStyle>
+    <a:lvl1pPr marL="0" algn="l" defTabSz="914400" rtl="0" eaLnBrk="1" latinLnBrk="0" hangingPunct="1">
+      <a:defRPr sz="1200" kern="1200">
+        <a:solidFill>
+          <a:schemeClr val="tx1"/>
+        </a:solidFill>
+        <a:latin typeface="+mn-lt"/>
+        <a:ea typeface="+mn-ea"/>
+        <a:cs typeface="+mn-cs"/>
+      </a:defRPr>
+    </a:lvl1pPr>
+    <a:lvl2pPr marL="457200" algn="l" defTabSz="914400" rtl="0" eaLnBrk="1" latinLnBrk="0" hangingPunct="1">
+      <a:defRPr sz="1200" kern="1200">
+        <a:solidFill>
+          <a:schemeClr val="tx1"/>
+        </a:solidFill>
+        <a:latin typeface="+mn-lt"/>
+        <a:ea typeface="+mn-ea"/>
+        <a:cs typeface="+mn-cs"/>
+      </a:defRPr>
+    </a:lvl2pPr>
+    <a:lvl3pPr marL="914400" algn="l" defTabSz="914400" rtl="0" eaLnBrk="1" latinLnBrk="0" hangingPunct="1">
+      <a:defRPr sz="1200" kern="1200">
+        <a:solidFill>
+          <a:schemeClr val="tx1"/>
+        </a:solidFill>
+        <a:latin typeface="+mn-lt"/>
+        <a:ea typeface="+mn-ea"/>
+        <a:cs typeface="+mn-cs"/>
+      </a:defRPr>
+    </a:lvl3pPr>
+    <a:lvl4pPr marL="1371600" algn="l" defTabSz="914400" rtl="0" eaLnBrk="1" latinLnBrk="0" hangingPunct="1">
+      <a:defRPr sz="1200" kern="1200">
+        <a:solidFill>
+          <a:schemeClr val="tx1"/>
+        </a:solidFill>
+        <a:latin typeface="+mn-lt"/>
+        <a:ea typeface="+mn-ea"/>
+        <a:cs typeface="+mn-cs"/>
+      </a:defRPr>
+    </a:lvl4pPr>
+    <a:lvl5pPr marL="1828800" algn="l" defTabSz="914400" rtl="0" eaLnBrk="1" latinLnBrk="0" hangingPunct="1">
+      <a:defRPr sz="1200" kern="1200">
+        <a:solidFill>
+          <a:schemeClr val="tx1"/>
+        </a:solidFill>
+        <a:latin typeface="+mn-lt"/>
+        <a:ea typeface="+mn-ea"/>
+        <a:cs typeface="+mn-cs"/>
+      </a:defRPr>
+    </a:lvl5pPr>
+    <a:lvl6pPr marL="2286000" algn="l" defTabSz="914400" rtl="0" eaLnBrk="1" latinLnBrk="0" hangingPunct="1">
+      <a:defRPr sz="1200" kern="1200">
+        <a:solidFill>
+          <a:schemeClr val="tx1"/>
+        </a:solidFill>
+        <a:latin typeface="+mn-lt"/>
+        <a:ea typeface="+mn-ea"/>
+        <a:cs typeface="+mn-cs"/>
+      </a:defRPr>
+    </a:lvl6pPr>
+    <a:lvl7pPr marL="2743200" algn="l" defTabSz="914400" rtl="0" eaLnBrk="1" latinLnBrk="0" hangingPunct="1">
+      <a:defRPr sz="1200" kern="1200">
+        <a:solidFill>
+          <a:schemeClr val="tx1"/>
+        </a:solidFill>
+        <a:latin typeface="+mn-lt"/>
+        <a:ea typeface="+mn-ea"/>
+        <a:cs typeface="+mn-cs"/>
+      </a:defRPr>
+    </a:lvl7pPr>
+    <a:lvl8pPr marL="3200400" algn="l" defTabSz="914400" rtl="0" eaLnBrk="1" latinLnBrk="0" hangingPunct="1">
+      <a:defRPr sz="1200" kern="1200">
+        <a:solidFill>
+          <a:schemeClr val="tx1"/>
+        </a:solidFill>
+        <a:latin typeface="+mn-lt"/>
+        <a:ea typeface="+mn-ea"/>
+        <a:cs typeface="+mn-cs"/>
+      </a:defRPr>
+    </a:lvl8pPr>
+    <a:lvl9pPr marL="3657600" algn="l" defTabSz="914400" rtl="0" eaLnBrk="1" latinLnBrk="0" hangingPunct="1">
+      <a:defRPr sz="1200" kern="1200">
+        <a:solidFill>
+          <a:schemeClr val="tx1"/>
+        </a:solidFill>
+        <a:latin typeface="+mn-lt"/>
+        <a:ea typeface="+mn-ea"/>
+        <a:cs typeface="+mn-cs"/>
+      </a:defRPr>
+    </a:lvl9pPr>
+  </p:notesStyle>
+</p:notesMaster>
+</file>
+
+<file path=ppt/notesSlides/notesSlide1.xml><?xml version="1.0" encoding="utf-8"?>
+<p:notes xmlns:a="http://schemas.openxmlformats.org/drawingml/2006/main" xmlns:r="http://schemas.openxmlformats.org/officeDocument/2006/relationships" xmlns:p="http://schemas.openxmlformats.org/presentationml/2006/main">
+  <p:cSld>
+    <p:spTree>
+      <p:nvGrpSpPr>
+        <p:cNvPr id="1" name=""/>
+        <p:cNvGrpSpPr/>
+        <p:nvPr/>
+      </p:nvGrpSpPr>
+      <p:grpSpPr>
+        <a:xfrm>
+          <a:off x="0" y="0"/>
+          <a:ext cx="0" cy="0"/>
+          <a:chOff x="0" y="0"/>
+          <a:chExt cx="0" cy="0"/>
+        </a:xfrm>
+      </p:grpSpPr>
+      <p:sp>
+        <p:nvSpPr>
+          <p:cNvPr id="2" name="Espace réservé de l'image des diapositives 1"/>
+          <p:cNvSpPr>
+            <a:spLocks noGrp="1" noRot="1" noChangeAspect="1"/>
+          </p:cNvSpPr>
+          <p:nvPr>
+            <p:ph type="sldImg"/>
+          </p:nvPr>
+        </p:nvSpPr>
+        <p:spPr/>
+      </p:sp>
+      <p:sp>
+        <p:nvSpPr>
+          <p:cNvPr id="3" name="Espace réservé des commentaires 2"/>
+          <p:cNvSpPr>
+            <a:spLocks noGrp="1"/>
+          </p:cNvSpPr>
+          <p:nvPr>
+            <p:ph type="body" idx="1"/>
+          </p:nvPr>
+        </p:nvSpPr>
+        <p:spPr/>
+        <p:txBody>
+          <a:bodyPr/>
+          <a:lstStyle/>
+          <a:p>
+            <a:pPr algn="just"/>
+            <a:r>
+              <a:rPr lang="en-US" sz="1200" dirty="0" smtClean="0">
+                <a:latin typeface="Times New Roman" panose="02020603050405020304" pitchFamily="18" charset="0"/>
+                <a:cs typeface="Times New Roman" panose="02020603050405020304" pitchFamily="18" charset="0"/>
+              </a:rPr>
+              <a:t>The data integration is a well-known and widely studied problem in the database domain. The emergence of cloud computing opens new challenges to data integration. The possibility of an unlimited access to resources changes the problems associated to data processing</a:t>
+            </a:r>
+          </a:p>
+          <a:p>
+            <a:pPr algn="just"/>
+            <a:r>
+              <a:rPr lang="en-US" sz="1200" smtClean="0">
+                <a:latin typeface="Times New Roman" panose="02020603050405020304" pitchFamily="18" charset="0"/>
+                <a:cs typeface="Times New Roman" panose="02020603050405020304" pitchFamily="18" charset="0"/>
+              </a:rPr>
+              <a:t>We are interested in a data integration solution on a multi-cloud context considering user requirements and service quality aspects expressed in service level agreement contracts</a:t>
+            </a:r>
+          </a:p>
+          <a:p>
+            <a:endParaRPr lang="en-US"/>
+          </a:p>
+        </p:txBody>
+      </p:sp>
+      <p:sp>
+        <p:nvSpPr>
+          <p:cNvPr id="4" name="Espace réservé du numéro de diapositive 3"/>
+          <p:cNvSpPr>
+            <a:spLocks noGrp="1"/>
+          </p:cNvSpPr>
+          <p:nvPr>
+            <p:ph type="sldNum" sz="quarter" idx="10"/>
+          </p:nvPr>
+        </p:nvSpPr>
+        <p:spPr/>
+        <p:txBody>
+          <a:bodyPr/>
+          <a:lstStyle/>
+          <a:p>
+            <a:fld id="{E1BB28E8-CE4B-4A6D-B59C-1DCE3BDD9060}" type="slidenum">
+              <a:rPr lang="en-US" smtClean="0"/>
+              <a:t>1</a:t>
+            </a:fld>
+            <a:endParaRPr lang="en-US"/>
+          </a:p>
+        </p:txBody>
+      </p:sp>
+    </p:spTree>
+    <p:extLst>
+      <p:ext uri="{BB962C8B-B14F-4D97-AF65-F5344CB8AC3E}">
+        <p14:creationId xmlns:p14="http://schemas.microsoft.com/office/powerpoint/2010/main" val="810666465"/>
+      </p:ext>
+    </p:extLst>
+  </p:cSld>
+  <p:clrMapOvr>
+    <a:masterClrMapping/>
+  </p:clrMapOvr>
+</p:notes>
 </file>
 
 <file path=ppt/slideLayouts/slideLayout1.xml><?xml version="1.0" encoding="utf-8"?>
@@ -3131,33 +3616,6 @@
           </a:bodyPr>
           <a:lstStyle/>
           <a:p>
-            <a:pPr algn="just"/>
-            <a:r>
-              <a:rPr lang="en-US" sz="1600" dirty="0" smtClean="0">
-                <a:latin typeface="Times New Roman" panose="02020603050405020304" pitchFamily="18" charset="0"/>
-                <a:cs typeface="Times New Roman" panose="02020603050405020304" pitchFamily="18" charset="0"/>
-              </a:rPr>
-              <a:t>The data integration is a well-known and widely studied problem in the database domain. The emergence of cloud computing opens new challenges to data integration. The possibility of an unlimited access to resources changes the problems associated to data </a:t>
-            </a:r>
-            <a:r>
-              <a:rPr lang="en-US" sz="1600" dirty="0" smtClean="0">
-                <a:latin typeface="Times New Roman" panose="02020603050405020304" pitchFamily="18" charset="0"/>
-                <a:cs typeface="Times New Roman" panose="02020603050405020304" pitchFamily="18" charset="0"/>
-              </a:rPr>
-              <a:t>processing</a:t>
-            </a:r>
-          </a:p>
-          <a:p>
-            <a:pPr algn="just"/>
-            <a:r>
-              <a:rPr lang="en-US" sz="1600" dirty="0" smtClean="0">
-                <a:latin typeface="Times New Roman" panose="02020603050405020304" pitchFamily="18" charset="0"/>
-                <a:cs typeface="Times New Roman" panose="02020603050405020304" pitchFamily="18" charset="0"/>
-              </a:rPr>
-              <a:t>We are interested in a data integration solution on a multi-cloud context considering user requirements and service quality aspects expressed in service level agreement contracts</a:t>
-            </a:r>
-          </a:p>
-          <a:p>
             <a:pPr marL="0" indent="0" algn="just">
               <a:buNone/>
             </a:pPr>
@@ -3168,6 +3626,10 @@
               </a:rPr>
               <a:t>      </a:t>
             </a:r>
+            <a:endParaRPr lang="fr-FR" sz="1600" dirty="0" smtClean="0">
+              <a:latin typeface="Times New Roman" panose="02020603050405020304" pitchFamily="18" charset="0"/>
+              <a:cs typeface="Times New Roman" panose="02020603050405020304" pitchFamily="18" charset="0"/>
+            </a:endParaRPr>
           </a:p>
           <a:p>
             <a:pPr marL="0" indent="0" algn="just">
@@ -3207,12 +3669,55 @@
               </a:rPr>
               <a:t> </a:t>
             </a:r>
+            <a:endParaRPr lang="en-US" sz="1600" dirty="0" smtClean="0">
+              <a:latin typeface="Times New Roman" panose="02020603050405020304" pitchFamily="18" charset="0"/>
+              <a:cs typeface="Times New Roman" panose="02020603050405020304" pitchFamily="18" charset="0"/>
+            </a:endParaRPr>
+          </a:p>
+          <a:p>
+            <a:pPr marL="0" indent="0" algn="just">
+              <a:buNone/>
+            </a:pPr>
+            <a:endParaRPr lang="en-US" sz="1600" i="1" dirty="0">
+              <a:latin typeface="Times New Roman" panose="02020603050405020304" pitchFamily="18" charset="0"/>
+              <a:cs typeface="Times New Roman" panose="02020603050405020304" pitchFamily="18" charset="0"/>
+            </a:endParaRPr>
+          </a:p>
+          <a:p>
+            <a:pPr marL="0" indent="0" algn="just">
+              <a:buNone/>
+            </a:pPr>
+            <a:endParaRPr lang="en-US" sz="1600" i="1" dirty="0" smtClean="0">
+              <a:latin typeface="Times New Roman" panose="02020603050405020304" pitchFamily="18" charset="0"/>
+              <a:cs typeface="Times New Roman" panose="02020603050405020304" pitchFamily="18" charset="0"/>
+            </a:endParaRPr>
+          </a:p>
+          <a:p>
+            <a:pPr marL="0" indent="0" algn="just">
+              <a:buNone/>
+            </a:pPr>
+            <a:endParaRPr lang="en-US" sz="1600" i="1" dirty="0">
+              <a:latin typeface="Times New Roman" panose="02020603050405020304" pitchFamily="18" charset="0"/>
+              <a:cs typeface="Times New Roman" panose="02020603050405020304" pitchFamily="18" charset="0"/>
+            </a:endParaRPr>
+          </a:p>
+          <a:p>
+            <a:pPr marL="0" indent="0" algn="just">
+              <a:buNone/>
+            </a:pPr>
             <a:r>
               <a:rPr lang="en-US" sz="1600" i="1" dirty="0" smtClean="0">
                 <a:latin typeface="Times New Roman" panose="02020603050405020304" pitchFamily="18" charset="0"/>
                 <a:cs typeface="Times New Roman" panose="02020603050405020304" pitchFamily="18" charset="0"/>
               </a:rPr>
-              <a:t>Challenges:</a:t>
+              <a:t>Challenges</a:t>
+            </a:r>
+            <a:r>
+              <a:rPr lang="en-US" sz="1600" i="1" dirty="0" smtClean="0">
+                <a:latin typeface="Times New Roman" panose="02020603050405020304" pitchFamily="18" charset="0"/>
+                <a:cs typeface="Times New Roman" panose="02020603050405020304" pitchFamily="18" charset="0"/>
+              </a:rPr>
+              <a:t>:</a:t>
             </a:r>
           </a:p>
           <a:p>
@@ -3224,10 +3729,6 @@
               </a:rPr>
               <a:t>Which services should I select ? Are the requirements being respected?	</a:t>
             </a:r>
-            <a:endParaRPr lang="en-US" sz="1200" i="1" dirty="0" smtClean="0">
-              <a:latin typeface="Times New Roman" panose="02020603050405020304" pitchFamily="18" charset="0"/>
-              <a:cs typeface="Times New Roman" panose="02020603050405020304" pitchFamily="18" charset="0"/>
-            </a:endParaRPr>
           </a:p>
           <a:p>
             <a:pPr lvl="1" algn="just"/>
@@ -3256,14 +3757,7 @@
                 <a:latin typeface="Times New Roman" panose="02020603050405020304" pitchFamily="18" charset="0"/>
                 <a:cs typeface="Times New Roman" panose="02020603050405020304" pitchFamily="18" charset="0"/>
               </a:rPr>
-              <a:t>How results can be  reused  for a next query</a:t>
-            </a:r>
-            <a:r>
-              <a:rPr lang="en-US" sz="1200" i="1" dirty="0" smtClean="0">
-                <a:latin typeface="Times New Roman" panose="02020603050405020304" pitchFamily="18" charset="0"/>
-                <a:cs typeface="Times New Roman" panose="02020603050405020304" pitchFamily="18" charset="0"/>
-              </a:rPr>
-              <a:t>?</a:t>
+              <a:t>How results can be  reused  for a next query?</a:t>
             </a:r>
             <a:endParaRPr lang="en-US" sz="1200" dirty="0" smtClean="0">
               <a:latin typeface="Times New Roman" panose="02020603050405020304" pitchFamily="18" charset="0"/>
@@ -3277,26 +3771,8 @@
                 <a:latin typeface="Times New Roman" panose="02020603050405020304" pitchFamily="18" charset="0"/>
                 <a:cs typeface="Times New Roman" panose="02020603050405020304" pitchFamily="18" charset="0"/>
               </a:rPr>
-              <a:t>The </a:t>
-            </a:r>
-            <a:r>
-              <a:rPr lang="en-US" sz="1600" dirty="0" smtClean="0">
-                <a:latin typeface="Times New Roman" panose="02020603050405020304" pitchFamily="18" charset="0"/>
-                <a:cs typeface="Times New Roman" panose="02020603050405020304" pitchFamily="18" charset="0"/>
-              </a:rPr>
-              <a:t>objective is to propose a data integration solution in a multi-cloud environment guided by user preferences and SLA exported by different clouds</a:t>
-            </a:r>
-            <a:r>
-              <a:rPr lang="en-US" sz="1600" dirty="0" smtClean="0">
-                <a:latin typeface="Times New Roman" panose="02020603050405020304" pitchFamily="18" charset="0"/>
-                <a:cs typeface="Times New Roman" panose="02020603050405020304" pitchFamily="18" charset="0"/>
-              </a:rPr>
-              <a:t>.</a:t>
-            </a:r>
-            <a:endParaRPr lang="en-US" sz="1600" dirty="0" smtClean="0">
-              <a:latin typeface="Times New Roman" panose="02020603050405020304" pitchFamily="18" charset="0"/>
-              <a:cs typeface="Times New Roman" panose="02020603050405020304" pitchFamily="18" charset="0"/>
-            </a:endParaRPr>
+              <a:t>The objective is to propose a data integration solution in a multi-cloud environment guided by user preferences and SLA exported by different clouds.</a:t>
+            </a:r>
           </a:p>
         </p:txBody>
       </p:sp>
@@ -3608,310 +4084,63 @@
               </a:rPr>
               <a:t>, CNRS, LIG-LAFMIA, Saint Martin d'Hères - France</a:t>
             </a:r>
-            <a:endParaRPr lang="en-US" sz="1200" dirty="0" smtClean="0">
-              <a:latin typeface="Times New Roman" panose="02020603050405020304" pitchFamily="18" charset="0"/>
-              <a:cs typeface="Times New Roman" panose="02020603050405020304" pitchFamily="18" charset="0"/>
-            </a:endParaRPr>
-          </a:p>
-        </p:txBody>
-      </p:sp>
-      <p:sp>
-        <p:nvSpPr>
-          <p:cNvPr id="50" name="ZoneTexte 49"/>
-          <p:cNvSpPr txBox="1"/>
+          </a:p>
+        </p:txBody>
+      </p:sp>
+      <p:pic>
+        <p:nvPicPr>
+          <p:cNvPr id="21" name="Picture 144"/>
+          <p:cNvPicPr>
+            <a:picLocks noChangeAspect="1" noChangeArrowheads="1"/>
+          </p:cNvPicPr>
           <p:nvPr/>
-        </p:nvSpPr>
-        <p:spPr>
+        </p:nvPicPr>
+        <p:blipFill>
+          <a:blip r:embed="rId3">
+            <a:extLst>
+              <a:ext uri="{28A0092B-C50C-407E-A947-70E740481C1C}">
+                <a14:useLocalDpi xmlns:a14="http://schemas.microsoft.com/office/drawing/2010/main" val="0"/>
+              </a:ext>
+            </a:extLst>
+          </a:blip>
+          <a:srcRect/>
+          <a:stretch>
+            <a:fillRect/>
+          </a:stretch>
+        </p:blipFill>
+        <p:spPr bwMode="auto">
           <a:xfrm>
-            <a:off x="2806226" y="3364566"/>
-            <a:ext cx="1822935" cy="307777"/>
+            <a:off x="1379834" y="1586076"/>
+            <a:ext cx="6216502" cy="2563004"/>
           </a:xfrm>
           <a:prstGeom prst="rect">
             <a:avLst/>
           </a:prstGeom>
           <a:noFill/>
-        </p:spPr>
-        <p:txBody>
-          <a:bodyPr wrap="none" rtlCol="0">
-            <a:spAutoFit/>
-          </a:bodyPr>
-          <a:lstStyle/>
-          <a:p>
-            <a:pPr algn="r"/>
-            <a:r>
-              <a:rPr lang="en-US" sz="1400" dirty="0" smtClean="0">
-                <a:latin typeface="Times New Roman" panose="02020603050405020304" pitchFamily="18" charset="0"/>
-                <a:cs typeface="Times New Roman" panose="02020603050405020304" pitchFamily="18" charset="0"/>
-              </a:rPr>
-              <a:t>Query + Requirements</a:t>
-            </a:r>
-            <a:endParaRPr lang="en-US" sz="1400" dirty="0">
-              <a:latin typeface="Times New Roman" panose="02020603050405020304" pitchFamily="18" charset="0"/>
-              <a:cs typeface="Times New Roman" panose="02020603050405020304" pitchFamily="18" charset="0"/>
-            </a:endParaRPr>
-          </a:p>
-        </p:txBody>
-      </p:sp>
-      <p:pic>
-        <p:nvPicPr>
-          <p:cNvPr id="60" name="Image 59" descr="user.png"/>
-          <p:cNvPicPr>
-            <a:picLocks noChangeAspect="1"/>
-          </p:cNvPicPr>
-          <p:nvPr/>
-        </p:nvPicPr>
-        <p:blipFill>
-          <a:blip r:embed="rId2"/>
-          <a:stretch>
-            <a:fillRect/>
-          </a:stretch>
-        </p:blipFill>
-        <p:spPr>
-          <a:xfrm>
-            <a:off x="1787298" y="3380602"/>
-            <a:ext cx="552454" cy="552454"/>
-          </a:xfrm>
-          <a:prstGeom prst="rect">
-            <a:avLst/>
-          </a:prstGeom>
-        </p:spPr>
-      </p:pic>
-      <p:cxnSp>
-        <p:nvCxnSpPr>
-          <p:cNvPr id="64" name="Connecteur droit avec flèche 63"/>
-          <p:cNvCxnSpPr/>
-          <p:nvPr/>
-        </p:nvCxnSpPr>
-        <p:spPr>
-          <a:xfrm flipV="1">
-            <a:off x="2339752" y="3693989"/>
-            <a:ext cx="2880320" cy="21821"/>
-          </a:xfrm>
-          <a:prstGeom prst="straightConnector1">
-            <a:avLst/>
-          </a:prstGeom>
           <a:ln>
-            <a:tailEnd type="arrow"/>
-          </a:ln>
-        </p:spPr>
-        <p:style>
-          <a:lnRef idx="2">
-            <a:schemeClr val="accent1"/>
-          </a:lnRef>
-          <a:fillRef idx="0">
-            <a:schemeClr val="accent1"/>
-          </a:fillRef>
-          <a:effectRef idx="1">
-            <a:schemeClr val="accent1"/>
-          </a:effectRef>
-          <a:fontRef idx="minor">
-            <a:schemeClr val="tx1"/>
-          </a:fontRef>
-        </p:style>
-      </p:cxnSp>
-      <p:sp>
-        <p:nvSpPr>
-          <p:cNvPr id="73" name="Nuage 72"/>
-          <p:cNvSpPr/>
-          <p:nvPr/>
-        </p:nvSpPr>
-        <p:spPr>
-          <a:xfrm>
-            <a:off x="5580112" y="3140968"/>
-            <a:ext cx="1080120" cy="534343"/>
-          </a:xfrm>
-          <a:prstGeom prst="cloud">
-            <a:avLst/>
-          </a:prstGeom>
-          <a:solidFill>
-            <a:schemeClr val="bg1"/>
-          </a:solidFill>
-        </p:spPr>
-        <p:style>
-          <a:lnRef idx="2">
-            <a:schemeClr val="accent1">
-              <a:shade val="50000"/>
-            </a:schemeClr>
-          </a:lnRef>
-          <a:fillRef idx="1">
-            <a:schemeClr val="accent1"/>
-          </a:fillRef>
-          <a:effectRef idx="0">
-            <a:schemeClr val="accent1"/>
-          </a:effectRef>
-          <a:fontRef idx="minor">
-            <a:schemeClr val="lt1"/>
-          </a:fontRef>
-        </p:style>
-        <p:txBody>
-          <a:bodyPr rtlCol="0" anchor="ctr"/>
-          <a:lstStyle/>
-          <a:p>
-            <a:pPr algn="ctr"/>
-            <a:endParaRPr lang="en-US"/>
-          </a:p>
-        </p:txBody>
-      </p:sp>
-      <p:sp>
-        <p:nvSpPr>
-          <p:cNvPr id="74" name="Nuage 73"/>
-          <p:cNvSpPr/>
-          <p:nvPr/>
-        </p:nvSpPr>
-        <p:spPr>
-          <a:xfrm>
-            <a:off x="6372200" y="3247883"/>
-            <a:ext cx="1080120" cy="534343"/>
-          </a:xfrm>
-          <a:prstGeom prst="cloud">
-            <a:avLst/>
-          </a:prstGeom>
-          <a:solidFill>
-            <a:schemeClr val="bg1"/>
-          </a:solidFill>
-        </p:spPr>
-        <p:style>
-          <a:lnRef idx="2">
-            <a:schemeClr val="accent1">
-              <a:shade val="50000"/>
-            </a:schemeClr>
-          </a:lnRef>
-          <a:fillRef idx="1">
-            <a:schemeClr val="accent1"/>
-          </a:fillRef>
-          <a:effectRef idx="0">
-            <a:schemeClr val="accent1"/>
-          </a:effectRef>
-          <a:fontRef idx="minor">
-            <a:schemeClr val="lt1"/>
-          </a:fontRef>
-        </p:style>
-        <p:txBody>
-          <a:bodyPr rtlCol="0" anchor="ctr"/>
-          <a:lstStyle/>
-          <a:p>
-            <a:pPr algn="ctr"/>
-            <a:endParaRPr lang="en-US"/>
-          </a:p>
-        </p:txBody>
-      </p:sp>
-      <p:sp>
-        <p:nvSpPr>
-          <p:cNvPr id="75" name="Nuage 74"/>
-          <p:cNvSpPr/>
-          <p:nvPr/>
-        </p:nvSpPr>
-        <p:spPr>
-          <a:xfrm>
-            <a:off x="5292080" y="3478639"/>
-            <a:ext cx="1080120" cy="534343"/>
-          </a:xfrm>
-          <a:prstGeom prst="cloud">
-            <a:avLst/>
-          </a:prstGeom>
-          <a:solidFill>
-            <a:schemeClr val="bg1"/>
-          </a:solidFill>
-        </p:spPr>
-        <p:style>
-          <a:lnRef idx="2">
-            <a:schemeClr val="accent1">
-              <a:shade val="50000"/>
-            </a:schemeClr>
-          </a:lnRef>
-          <a:fillRef idx="1">
-            <a:schemeClr val="accent1"/>
-          </a:fillRef>
-          <a:effectRef idx="0">
-            <a:schemeClr val="accent1"/>
-          </a:effectRef>
-          <a:fontRef idx="minor">
-            <a:schemeClr val="lt1"/>
-          </a:fontRef>
-        </p:style>
-        <p:txBody>
-          <a:bodyPr rtlCol="0" anchor="ctr"/>
-          <a:lstStyle/>
-          <a:p>
-            <a:pPr algn="ctr"/>
-            <a:endParaRPr lang="en-US"/>
-          </a:p>
-        </p:txBody>
-      </p:sp>
-      <p:sp>
-        <p:nvSpPr>
-          <p:cNvPr id="76" name="Nuage 75"/>
-          <p:cNvSpPr/>
-          <p:nvPr/>
-        </p:nvSpPr>
-        <p:spPr>
-          <a:xfrm>
-            <a:off x="5877816" y="3576002"/>
-            <a:ext cx="1080120" cy="534343"/>
-          </a:xfrm>
-          <a:prstGeom prst="cloud">
-            <a:avLst/>
-          </a:prstGeom>
-          <a:solidFill>
-            <a:schemeClr val="bg1"/>
-          </a:solidFill>
-        </p:spPr>
-        <p:style>
-          <a:lnRef idx="2">
-            <a:schemeClr val="accent1">
-              <a:shade val="50000"/>
-            </a:schemeClr>
-          </a:lnRef>
-          <a:fillRef idx="1">
-            <a:schemeClr val="accent1"/>
-          </a:fillRef>
-          <a:effectRef idx="0">
-            <a:schemeClr val="accent1"/>
-          </a:effectRef>
-          <a:fontRef idx="minor">
-            <a:schemeClr val="lt1"/>
-          </a:fontRef>
-        </p:style>
-        <p:txBody>
-          <a:bodyPr rtlCol="0" anchor="ctr"/>
-          <a:lstStyle/>
-          <a:p>
-            <a:pPr algn="ctr"/>
-            <a:endParaRPr lang="en-US"/>
-          </a:p>
-        </p:txBody>
-      </p:sp>
-      <p:sp>
-        <p:nvSpPr>
-          <p:cNvPr id="77" name="Ellipse 56"/>
-          <p:cNvSpPr>
-            <a:spLocks noChangeArrowheads="1"/>
-          </p:cNvSpPr>
-          <p:nvPr/>
-        </p:nvSpPr>
-        <p:spPr bwMode="auto">
-          <a:xfrm flipH="1">
-            <a:off x="5578044" y="3546486"/>
-            <a:ext cx="299772" cy="303206"/>
-          </a:xfrm>
-          <a:prstGeom prst="ellipse">
-            <a:avLst/>
-          </a:prstGeom>
-          <a:solidFill>
-            <a:schemeClr val="hlink">
-              <a:alpha val="12157"/>
-            </a:schemeClr>
-          </a:solidFill>
-          <a:ln w="9525" algn="ctr">
-            <a:solidFill>
-              <a:schemeClr val="tx1"/>
-            </a:solidFill>
-            <a:round/>
-            <a:headEnd/>
-            <a:tailEnd/>
+            <a:noFill/>
           </a:ln>
           <a:effectLst/>
           <a:extLst>
+            <a:ext uri="{909E8E84-426E-40DD-AFC4-6F175D3DCCD1}">
+              <a14:hiddenFill xmlns:a14="http://schemas.microsoft.com/office/drawing/2010/main">
+                <a:solidFill>
+                  <a:schemeClr val="hlink">
+                    <a:alpha val="12157"/>
+                  </a:schemeClr>
+                </a:solidFill>
+              </a14:hiddenFill>
+            </a:ext>
+            <a:ext uri="{91240B29-F687-4F45-9708-019B960494DF}">
+              <a14:hiddenLine xmlns:a14="http://schemas.microsoft.com/office/drawing/2010/main" w="9525" algn="ctr">
+                <a:solidFill>
+                  <a:srgbClr val="000000"/>
+                </a:solidFill>
+                <a:miter lim="800000"/>
+                <a:headEnd/>
+                <a:tailEnd/>
+              </a14:hiddenLine>
+            </a:ext>
             <a:ext uri="{AF507438-7753-43E0-B8FC-AC1667EBCBE1}">
               <a14:hiddenEffects xmlns:a14="http://schemas.microsoft.com/office/drawing/2010/main">
                 <a:effectLst>
@@ -3923,420 +4152,7 @@
             </a:ext>
           </a:extLst>
         </p:spPr>
-        <p:txBody>
-          <a:bodyPr wrap="none" anchor="ctr"/>
-          <a:lstStyle/>
-          <a:p>
-            <a:pPr algn="ctr" defTabSz="862013"/>
-            <a:r>
-              <a:rPr lang="fr-FR" sz="1400" dirty="0" smtClean="0"/>
-              <a:t>S1</a:t>
-            </a:r>
-            <a:endParaRPr lang="en-US" sz="1400" dirty="0"/>
-          </a:p>
-        </p:txBody>
-      </p:sp>
-      <p:sp>
-        <p:nvSpPr>
-          <p:cNvPr id="78" name="Parchemin vertical 77"/>
-          <p:cNvSpPr/>
-          <p:nvPr/>
-        </p:nvSpPr>
-        <p:spPr bwMode="auto">
-          <a:xfrm>
-            <a:off x="5376255" y="3750757"/>
-            <a:ext cx="345000" cy="235675"/>
-          </a:xfrm>
-          <a:prstGeom prst="verticalScroll">
-            <a:avLst/>
-          </a:prstGeom>
-          <a:ln>
-            <a:headEnd type="none" w="med" len="med"/>
-            <a:tailEnd type="none" w="med" len="med"/>
-          </a:ln>
-          <a:extLst/>
-        </p:spPr>
-        <p:style>
-          <a:lnRef idx="1">
-            <a:schemeClr val="dk1"/>
-          </a:lnRef>
-          <a:fillRef idx="2">
-            <a:schemeClr val="dk1"/>
-          </a:fillRef>
-          <a:effectRef idx="1">
-            <a:schemeClr val="dk1"/>
-          </a:effectRef>
-          <a:fontRef idx="minor">
-            <a:schemeClr val="dk1"/>
-          </a:fontRef>
-        </p:style>
-        <p:txBody>
-          <a:bodyPr wrap="none" anchor="ctr"/>
-          <a:lstStyle/>
-          <a:p>
-            <a:pPr algn="ctr" defTabSz="862013">
-              <a:defRPr/>
-            </a:pPr>
-            <a:r>
-              <a:rPr lang="fr-FR" sz="1050" dirty="0">
-                <a:solidFill>
-                  <a:schemeClr val="tx1"/>
-                </a:solidFill>
-                <a:latin typeface="Times New Roman" pitchFamily="18" charset="0"/>
-              </a:rPr>
-              <a:t>SLA</a:t>
-            </a:r>
-            <a:endParaRPr lang="en-US" sz="1050" dirty="0">
-              <a:solidFill>
-                <a:schemeClr val="tx1"/>
-              </a:solidFill>
-              <a:latin typeface="Times New Roman" pitchFamily="18" charset="0"/>
-            </a:endParaRPr>
-          </a:p>
-        </p:txBody>
-      </p:sp>
-      <p:sp>
-        <p:nvSpPr>
-          <p:cNvPr id="79" name="Ellipse 56"/>
-          <p:cNvSpPr>
-            <a:spLocks noChangeArrowheads="1"/>
-          </p:cNvSpPr>
-          <p:nvPr/>
-        </p:nvSpPr>
-        <p:spPr bwMode="auto">
-          <a:xfrm flipH="1">
-            <a:off x="6030216" y="3140968"/>
-            <a:ext cx="299772" cy="303206"/>
-          </a:xfrm>
-          <a:prstGeom prst="ellipse">
-            <a:avLst/>
-          </a:prstGeom>
-          <a:solidFill>
-            <a:schemeClr val="hlink">
-              <a:alpha val="12157"/>
-            </a:schemeClr>
-          </a:solidFill>
-          <a:ln w="9525" algn="ctr">
-            <a:solidFill>
-              <a:schemeClr val="tx1"/>
-            </a:solidFill>
-            <a:round/>
-            <a:headEnd/>
-            <a:tailEnd/>
-          </a:ln>
-          <a:effectLst/>
-          <a:extLst>
-            <a:ext uri="{AF507438-7753-43E0-B8FC-AC1667EBCBE1}">
-              <a14:hiddenEffects xmlns:a14="http://schemas.microsoft.com/office/drawing/2010/main">
-                <a:effectLst>
-                  <a:outerShdw dist="35921" dir="2700000" algn="ctr" rotWithShape="0">
-                    <a:schemeClr val="bg2"/>
-                  </a:outerShdw>
-                </a:effectLst>
-              </a14:hiddenEffects>
-            </a:ext>
-          </a:extLst>
-        </p:spPr>
-        <p:txBody>
-          <a:bodyPr wrap="none" anchor="ctr"/>
-          <a:lstStyle/>
-          <a:p>
-            <a:pPr algn="ctr" defTabSz="862013"/>
-            <a:r>
-              <a:rPr lang="fr-FR" sz="1400" dirty="0" smtClean="0"/>
-              <a:t>S2</a:t>
-            </a:r>
-            <a:endParaRPr lang="en-US" sz="1400" dirty="0"/>
-          </a:p>
-        </p:txBody>
-      </p:sp>
-      <p:sp>
-        <p:nvSpPr>
-          <p:cNvPr id="80" name="Ellipse 56"/>
-          <p:cNvSpPr>
-            <a:spLocks noChangeArrowheads="1"/>
-          </p:cNvSpPr>
-          <p:nvPr/>
-        </p:nvSpPr>
-        <p:spPr bwMode="auto">
-          <a:xfrm flipH="1">
-            <a:off x="6372200" y="3623810"/>
-            <a:ext cx="299772" cy="303206"/>
-          </a:xfrm>
-          <a:prstGeom prst="ellipse">
-            <a:avLst/>
-          </a:prstGeom>
-          <a:solidFill>
-            <a:schemeClr val="hlink">
-              <a:alpha val="12157"/>
-            </a:schemeClr>
-          </a:solidFill>
-          <a:ln w="9525" algn="ctr">
-            <a:solidFill>
-              <a:schemeClr val="tx1"/>
-            </a:solidFill>
-            <a:round/>
-            <a:headEnd/>
-            <a:tailEnd/>
-          </a:ln>
-          <a:effectLst/>
-          <a:extLst>
-            <a:ext uri="{AF507438-7753-43E0-B8FC-AC1667EBCBE1}">
-              <a14:hiddenEffects xmlns:a14="http://schemas.microsoft.com/office/drawing/2010/main">
-                <a:effectLst>
-                  <a:outerShdw dist="35921" dir="2700000" algn="ctr" rotWithShape="0">
-                    <a:schemeClr val="bg2"/>
-                  </a:outerShdw>
-                </a:effectLst>
-              </a14:hiddenEffects>
-            </a:ext>
-          </a:extLst>
-        </p:spPr>
-        <p:txBody>
-          <a:bodyPr wrap="none" anchor="ctr"/>
-          <a:lstStyle/>
-          <a:p>
-            <a:pPr algn="ctr" defTabSz="862013"/>
-            <a:r>
-              <a:rPr lang="fr-FR" sz="1400" dirty="0" smtClean="0"/>
-              <a:t>S3</a:t>
-            </a:r>
-            <a:endParaRPr lang="en-US" sz="1400" dirty="0"/>
-          </a:p>
-        </p:txBody>
-      </p:sp>
-      <p:sp>
-        <p:nvSpPr>
-          <p:cNvPr id="81" name="Ellipse 56"/>
-          <p:cNvSpPr>
-            <a:spLocks noChangeArrowheads="1"/>
-          </p:cNvSpPr>
-          <p:nvPr/>
-        </p:nvSpPr>
-        <p:spPr bwMode="auto">
-          <a:xfrm flipH="1">
-            <a:off x="6957936" y="3211848"/>
-            <a:ext cx="299772" cy="303206"/>
-          </a:xfrm>
-          <a:prstGeom prst="ellipse">
-            <a:avLst/>
-          </a:prstGeom>
-          <a:solidFill>
-            <a:schemeClr val="hlink">
-              <a:alpha val="12157"/>
-            </a:schemeClr>
-          </a:solidFill>
-          <a:ln w="9525" algn="ctr">
-            <a:solidFill>
-              <a:schemeClr val="tx1"/>
-            </a:solidFill>
-            <a:round/>
-            <a:headEnd/>
-            <a:tailEnd/>
-          </a:ln>
-          <a:effectLst/>
-          <a:extLst>
-            <a:ext uri="{AF507438-7753-43E0-B8FC-AC1667EBCBE1}">
-              <a14:hiddenEffects xmlns:a14="http://schemas.microsoft.com/office/drawing/2010/main">
-                <a:effectLst>
-                  <a:outerShdw dist="35921" dir="2700000" algn="ctr" rotWithShape="0">
-                    <a:schemeClr val="bg2"/>
-                  </a:outerShdw>
-                </a:effectLst>
-              </a14:hiddenEffects>
-            </a:ext>
-          </a:extLst>
-        </p:spPr>
-        <p:txBody>
-          <a:bodyPr wrap="none" anchor="ctr"/>
-          <a:lstStyle/>
-          <a:p>
-            <a:pPr algn="ctr" defTabSz="862013"/>
-            <a:r>
-              <a:rPr lang="fr-FR" sz="1400" dirty="0" smtClean="0"/>
-              <a:t>S4</a:t>
-            </a:r>
-            <a:endParaRPr lang="en-US" sz="1400" dirty="0"/>
-          </a:p>
-        </p:txBody>
-      </p:sp>
-      <p:sp>
-        <p:nvSpPr>
-          <p:cNvPr id="82" name="Parchemin vertical 81"/>
-          <p:cNvSpPr/>
-          <p:nvPr/>
-        </p:nvSpPr>
-        <p:spPr bwMode="auto">
-          <a:xfrm>
-            <a:off x="5857716" y="3359626"/>
-            <a:ext cx="345000" cy="235675"/>
-          </a:xfrm>
-          <a:prstGeom prst="verticalScroll">
-            <a:avLst/>
-          </a:prstGeom>
-          <a:ln>
-            <a:headEnd type="none" w="med" len="med"/>
-            <a:tailEnd type="none" w="med" len="med"/>
-          </a:ln>
-          <a:extLst/>
-        </p:spPr>
-        <p:style>
-          <a:lnRef idx="1">
-            <a:schemeClr val="dk1"/>
-          </a:lnRef>
-          <a:fillRef idx="2">
-            <a:schemeClr val="dk1"/>
-          </a:fillRef>
-          <a:effectRef idx="1">
-            <a:schemeClr val="dk1"/>
-          </a:effectRef>
-          <a:fontRef idx="minor">
-            <a:schemeClr val="dk1"/>
-          </a:fontRef>
-        </p:style>
-        <p:txBody>
-          <a:bodyPr wrap="none" anchor="ctr"/>
-          <a:lstStyle/>
-          <a:p>
-            <a:pPr algn="ctr" defTabSz="862013">
-              <a:defRPr/>
-            </a:pPr>
-            <a:r>
-              <a:rPr lang="fr-FR" sz="1050" dirty="0">
-                <a:solidFill>
-                  <a:schemeClr val="tx1"/>
-                </a:solidFill>
-                <a:latin typeface="Times New Roman" pitchFamily="18" charset="0"/>
-              </a:rPr>
-              <a:t>SLA</a:t>
-            </a:r>
-            <a:endParaRPr lang="en-US" sz="1050" dirty="0">
-              <a:solidFill>
-                <a:schemeClr val="tx1"/>
-              </a:solidFill>
-              <a:latin typeface="Times New Roman" pitchFamily="18" charset="0"/>
-            </a:endParaRPr>
-          </a:p>
-        </p:txBody>
-      </p:sp>
-      <p:sp>
-        <p:nvSpPr>
-          <p:cNvPr id="83" name="Parchemin vertical 82"/>
-          <p:cNvSpPr/>
-          <p:nvPr/>
-        </p:nvSpPr>
-        <p:spPr bwMode="auto">
-          <a:xfrm>
-            <a:off x="6171216" y="3861048"/>
-            <a:ext cx="345000" cy="235675"/>
-          </a:xfrm>
-          <a:prstGeom prst="verticalScroll">
-            <a:avLst/>
-          </a:prstGeom>
-          <a:ln>
-            <a:headEnd type="none" w="med" len="med"/>
-            <a:tailEnd type="none" w="med" len="med"/>
-          </a:ln>
-          <a:extLst/>
-        </p:spPr>
-        <p:style>
-          <a:lnRef idx="1">
-            <a:schemeClr val="dk1"/>
-          </a:lnRef>
-          <a:fillRef idx="2">
-            <a:schemeClr val="dk1"/>
-          </a:fillRef>
-          <a:effectRef idx="1">
-            <a:schemeClr val="dk1"/>
-          </a:effectRef>
-          <a:fontRef idx="minor">
-            <a:schemeClr val="dk1"/>
-          </a:fontRef>
-        </p:style>
-        <p:txBody>
-          <a:bodyPr wrap="none" anchor="ctr"/>
-          <a:lstStyle/>
-          <a:p>
-            <a:pPr algn="ctr" defTabSz="862013">
-              <a:defRPr/>
-            </a:pPr>
-            <a:r>
-              <a:rPr lang="fr-FR" sz="1050" dirty="0">
-                <a:solidFill>
-                  <a:schemeClr val="tx1"/>
-                </a:solidFill>
-                <a:latin typeface="Times New Roman" pitchFamily="18" charset="0"/>
-              </a:rPr>
-              <a:t>SLA</a:t>
-            </a:r>
-            <a:endParaRPr lang="en-US" sz="1050" dirty="0">
-              <a:solidFill>
-                <a:schemeClr val="tx1"/>
-              </a:solidFill>
-              <a:latin typeface="Times New Roman" pitchFamily="18" charset="0"/>
-            </a:endParaRPr>
-          </a:p>
-        </p:txBody>
-      </p:sp>
-      <p:sp>
-        <p:nvSpPr>
-          <p:cNvPr id="84" name="Parchemin vertical 83"/>
-          <p:cNvSpPr/>
-          <p:nvPr/>
-        </p:nvSpPr>
-        <p:spPr bwMode="auto">
-          <a:xfrm>
-            <a:off x="6747280" y="3429000"/>
-            <a:ext cx="345000" cy="235675"/>
-          </a:xfrm>
-          <a:prstGeom prst="verticalScroll">
-            <a:avLst/>
-          </a:prstGeom>
-          <a:ln>
-            <a:headEnd type="none" w="med" len="med"/>
-            <a:tailEnd type="none" w="med" len="med"/>
-          </a:ln>
-          <a:extLst/>
-        </p:spPr>
-        <p:style>
-          <a:lnRef idx="1">
-            <a:schemeClr val="dk1"/>
-          </a:lnRef>
-          <a:fillRef idx="2">
-            <a:schemeClr val="dk1"/>
-          </a:fillRef>
-          <a:effectRef idx="1">
-            <a:schemeClr val="dk1"/>
-          </a:effectRef>
-          <a:fontRef idx="minor">
-            <a:schemeClr val="dk1"/>
-          </a:fontRef>
-        </p:style>
-        <p:txBody>
-          <a:bodyPr wrap="none" anchor="ctr"/>
-          <a:lstStyle/>
-          <a:p>
-            <a:pPr algn="ctr" defTabSz="862013">
-              <a:defRPr/>
-            </a:pPr>
-            <a:r>
-              <a:rPr lang="fr-FR" sz="1050" dirty="0">
-                <a:solidFill>
-                  <a:schemeClr val="tx1"/>
-                </a:solidFill>
-                <a:latin typeface="Times New Roman" pitchFamily="18" charset="0"/>
-              </a:rPr>
-              <a:t>SLA</a:t>
-            </a:r>
-            <a:endParaRPr lang="en-US" sz="1050" dirty="0">
-              <a:solidFill>
-                <a:schemeClr val="tx1"/>
-              </a:solidFill>
-              <a:latin typeface="Times New Roman" pitchFamily="18" charset="0"/>
-            </a:endParaRPr>
-          </a:p>
-        </p:txBody>
-      </p:sp>
+      </p:pic>
     </p:spTree>
     <p:extLst>
       <p:ext uri="{BB962C8B-B14F-4D97-AF65-F5344CB8AC3E}">
@@ -4640,4 +4456,289 @@
   <a:objectDefaults/>
   <a:extraClrSchemeLst/>
 </a:theme>
+</file>
+
+<file path=ppt/theme/theme2.xml><?xml version="1.0" encoding="utf-8"?>
+<a:theme xmlns:a="http://schemas.openxmlformats.org/drawingml/2006/main" name="Thème Office">
+  <a:themeElements>
+    <a:clrScheme name="Office">
+      <a:dk1>
+        <a:sysClr val="windowText" lastClr="000000"/>
+      </a:dk1>
+      <a:lt1>
+        <a:sysClr val="window" lastClr="FFFFFF"/>
+      </a:lt1>
+      <a:dk2>
+        <a:srgbClr val="1F497D"/>
+      </a:dk2>
+      <a:lt2>
+        <a:srgbClr val="EEECE1"/>
+      </a:lt2>
+      <a:accent1>
+        <a:srgbClr val="4F81BD"/>
+      </a:accent1>
+      <a:accent2>
+        <a:srgbClr val="C0504D"/>
+      </a:accent2>
+      <a:accent3>
+        <a:srgbClr val="9BBB59"/>
+      </a:accent3>
+      <a:accent4>
+        <a:srgbClr val="8064A2"/>
+      </a:accent4>
+      <a:accent5>
+        <a:srgbClr val="4BACC6"/>
+      </a:accent5>
+      <a:accent6>
+        <a:srgbClr val="F79646"/>
+      </a:accent6>
+      <a:hlink>
+        <a:srgbClr val="0000FF"/>
+      </a:hlink>
+      <a:folHlink>
+        <a:srgbClr val="800080"/>
+      </a:folHlink>
+    </a:clrScheme>
+    <a:fontScheme name="Office">
+      <a:majorFont>
+        <a:latin typeface="Calibri"/>
+        <a:ea typeface=""/>
+        <a:cs typeface=""/>
+        <a:font script="Jpan" typeface="ＭＳ Ｐゴシック"/>
+        <a:font script="Hang" typeface="맑은 고딕"/>
+        <a:font script="Hans" typeface="宋体"/>
+        <a:font script="Hant" typeface="新細明體"/>
+        <a:font script="Arab" typeface="Times New Roman"/>
+        <a:font script="Hebr" typeface="Times New Roman"/>
+        <a:font script="Thai" typeface="Angsana New"/>
+        <a:font script="Ethi" typeface="Nyala"/>
+        <a:font script="Beng" typeface="Vrinda"/>
+        <a:font script="Gujr" typeface="Shruti"/>
+        <a:font script="Khmr" typeface="MoolBoran"/>
+        <a:font script="Knda" typeface="Tunga"/>
+        <a:font script="Guru" typeface="Raavi"/>
+        <a:font script="Cans" typeface="Euphemia"/>
+        <a:font script="Cher" typeface="Plantagenet Cherokee"/>
+        <a:font script="Yiii" typeface="Microsoft Yi Baiti"/>
+        <a:font script="Tibt" typeface="Microsoft Himalaya"/>
+        <a:font script="Thaa" typeface="MV Boli"/>
+        <a:font script="Deva" typeface="Mangal"/>
+        <a:font script="Telu" typeface="Gautami"/>
+        <a:font script="Taml" typeface="Latha"/>
+        <a:font script="Syrc" typeface="Estrangelo Edessa"/>
+        <a:font script="Orya" typeface="Kalinga"/>
+        <a:font script="Mlym" typeface="Kartika"/>
+        <a:font script="Laoo" typeface="DokChampa"/>
+        <a:font script="Sinh" typeface="Iskoola Pota"/>
+        <a:font script="Mong" typeface="Mongolian Baiti"/>
+        <a:font script="Viet" typeface="Times New Roman"/>
+        <a:font script="Uigh" typeface="Microsoft Uighur"/>
+        <a:font script="Geor" typeface="Sylfaen"/>
+      </a:majorFont>
+      <a:minorFont>
+        <a:latin typeface="Calibri"/>
+        <a:ea typeface=""/>
+        <a:cs typeface=""/>
+        <a:font script="Jpan" typeface="ＭＳ Ｐゴシック"/>
+        <a:font script="Hang" typeface="맑은 고딕"/>
+        <a:font script="Hans" typeface="宋体"/>
+        <a:font script="Hant" typeface="新細明體"/>
+        <a:font script="Arab" typeface="Arial"/>
+        <a:font script="Hebr" typeface="Arial"/>
+        <a:font script="Thai" typeface="Cordia New"/>
+        <a:font script="Ethi" typeface="Nyala"/>
+        <a:font script="Beng" typeface="Vrinda"/>
+        <a:font script="Gujr" typeface="Shruti"/>
+        <a:font script="Khmr" typeface="DaunPenh"/>
+        <a:font script="Knda" typeface="Tunga"/>
+        <a:font script="Guru" typeface="Raavi"/>
+        <a:font script="Cans" typeface="Euphemia"/>
+        <a:font script="Cher" typeface="Plantagenet Cherokee"/>
+        <a:font script="Yiii" typeface="Microsoft Yi Baiti"/>
+        <a:font script="Tibt" typeface="Microsoft Himalaya"/>
+        <a:font script="Thaa" typeface="MV Boli"/>
+        <a:font script="Deva" typeface="Mangal"/>
+        <a:font script="Telu" typeface="Gautami"/>
+        <a:font script="Taml" typeface="Latha"/>
+        <a:font script="Syrc" typeface="Estrangelo Edessa"/>
+        <a:font script="Orya" typeface="Kalinga"/>
+        <a:font script="Mlym" typeface="Kartika"/>
+        <a:font script="Laoo" typeface="DokChampa"/>
+        <a:font script="Sinh" typeface="Iskoola Pota"/>
+        <a:font script="Mong" typeface="Mongolian Baiti"/>
+        <a:font script="Viet" typeface="Arial"/>
+        <a:font script="Uigh" typeface="Microsoft Uighur"/>
+        <a:font script="Geor" typeface="Sylfaen"/>
+      </a:minorFont>
+    </a:fontScheme>
+    <a:fmtScheme name="Office">
+      <a:fillStyleLst>
+        <a:solidFill>
+          <a:schemeClr val="phClr"/>
+        </a:solidFill>
+        <a:gradFill rotWithShape="1">
+          <a:gsLst>
+            <a:gs pos="0">
+              <a:schemeClr val="phClr">
+                <a:tint val="50000"/>
+                <a:satMod val="300000"/>
+              </a:schemeClr>
+            </a:gs>
+            <a:gs pos="35000">
+              <a:schemeClr val="phClr">
+                <a:tint val="37000"/>
+                <a:satMod val="300000"/>
+              </a:schemeClr>
+            </a:gs>
+            <a:gs pos="100000">
+              <a:schemeClr val="phClr">
+                <a:tint val="15000"/>
+                <a:satMod val="350000"/>
+              </a:schemeClr>
+            </a:gs>
+          </a:gsLst>
+          <a:lin ang="16200000" scaled="1"/>
+        </a:gradFill>
+        <a:gradFill rotWithShape="1">
+          <a:gsLst>
+            <a:gs pos="0">
+              <a:schemeClr val="phClr">
+                <a:shade val="51000"/>
+                <a:satMod val="130000"/>
+              </a:schemeClr>
+            </a:gs>
+            <a:gs pos="80000">
+              <a:schemeClr val="phClr">
+                <a:shade val="93000"/>
+                <a:satMod val="130000"/>
+              </a:schemeClr>
+            </a:gs>
+            <a:gs pos="100000">
+              <a:schemeClr val="phClr">
+                <a:shade val="94000"/>
+                <a:satMod val="135000"/>
+              </a:schemeClr>
+            </a:gs>
+          </a:gsLst>
+          <a:lin ang="16200000" scaled="0"/>
+        </a:gradFill>
+      </a:fillStyleLst>
+      <a:lnStyleLst>
+        <a:ln w="9525" cap="flat" cmpd="sng" algn="ctr">
+          <a:solidFill>
+            <a:schemeClr val="phClr">
+              <a:shade val="95000"/>
+              <a:satMod val="105000"/>
+            </a:schemeClr>
+          </a:solidFill>
+          <a:prstDash val="solid"/>
+        </a:ln>
+        <a:ln w="25400" cap="flat" cmpd="sng" algn="ctr">
+          <a:solidFill>
+            <a:schemeClr val="phClr"/>
+          </a:solidFill>
+          <a:prstDash val="solid"/>
+        </a:ln>
+        <a:ln w="38100" cap="flat" cmpd="sng" algn="ctr">
+          <a:solidFill>
+            <a:schemeClr val="phClr"/>
+          </a:solidFill>
+          <a:prstDash val="solid"/>
+        </a:ln>
+      </a:lnStyleLst>
+      <a:effectStyleLst>
+        <a:effectStyle>
+          <a:effectLst>
+            <a:outerShdw blurRad="40000" dist="20000" dir="5400000" rotWithShape="0">
+              <a:srgbClr val="000000">
+                <a:alpha val="38000"/>
+              </a:srgbClr>
+            </a:outerShdw>
+          </a:effectLst>
+        </a:effectStyle>
+        <a:effectStyle>
+          <a:effectLst>
+            <a:outerShdw blurRad="40000" dist="23000" dir="5400000" rotWithShape="0">
+              <a:srgbClr val="000000">
+                <a:alpha val="35000"/>
+              </a:srgbClr>
+            </a:outerShdw>
+          </a:effectLst>
+        </a:effectStyle>
+        <a:effectStyle>
+          <a:effectLst>
+            <a:outerShdw blurRad="40000" dist="23000" dir="5400000" rotWithShape="0">
+              <a:srgbClr val="000000">
+                <a:alpha val="35000"/>
+              </a:srgbClr>
+            </a:outerShdw>
+          </a:effectLst>
+          <a:scene3d>
+            <a:camera prst="orthographicFront">
+              <a:rot lat="0" lon="0" rev="0"/>
+            </a:camera>
+            <a:lightRig rig="threePt" dir="t">
+              <a:rot lat="0" lon="0" rev="1200000"/>
+            </a:lightRig>
+          </a:scene3d>
+          <a:sp3d>
+            <a:bevelT w="63500" h="25400"/>
+          </a:sp3d>
+        </a:effectStyle>
+      </a:effectStyleLst>
+      <a:bgFillStyleLst>
+        <a:solidFill>
+          <a:schemeClr val="phClr"/>
+        </a:solidFill>
+        <a:gradFill rotWithShape="1">
+          <a:gsLst>
+            <a:gs pos="0">
+              <a:schemeClr val="phClr">
+                <a:tint val="40000"/>
+                <a:satMod val="350000"/>
+              </a:schemeClr>
+            </a:gs>
+            <a:gs pos="40000">
+              <a:schemeClr val="phClr">
+                <a:tint val="45000"/>
+                <a:shade val="99000"/>
+                <a:satMod val="350000"/>
+              </a:schemeClr>
+            </a:gs>
+            <a:gs pos="100000">
+              <a:schemeClr val="phClr">
+                <a:shade val="20000"/>
+                <a:satMod val="255000"/>
+              </a:schemeClr>
+            </a:gs>
+          </a:gsLst>
+          <a:path path="circle">
+            <a:fillToRect l="50000" t="-80000" r="50000" b="180000"/>
+          </a:path>
+        </a:gradFill>
+        <a:gradFill rotWithShape="1">
+          <a:gsLst>
+            <a:gs pos="0">
+              <a:schemeClr val="phClr">
+                <a:tint val="80000"/>
+                <a:satMod val="300000"/>
+              </a:schemeClr>
+            </a:gs>
+            <a:gs pos="100000">
+              <a:schemeClr val="phClr">
+                <a:shade val="30000"/>
+                <a:satMod val="200000"/>
+              </a:schemeClr>
+            </a:gs>
+          </a:gsLst>
+          <a:path path="circle">
+            <a:fillToRect l="50000" t="50000" r="50000" b="50000"/>
+          </a:path>
+        </a:gradFill>
+      </a:bgFillStyleLst>
+    </a:fmtScheme>
+  </a:themeElements>
+  <a:objectDefaults/>
+  <a:extraClrSchemeLst/>
+</a:theme>
 </file>